--- a/Lecture Slides/06-Linearsorting.pptx
+++ b/Lecture Slides/06-Linearsorting.pptx
@@ -5,10 +5,10 @@
     <p:sldMasterId id="2147483763" r:id="rId1"/>
   </p:sldMasterIdLst>
   <p:notesMasterIdLst>
-    <p:notesMasterId r:id="rId59"/>
+    <p:notesMasterId r:id="rId58"/>
   </p:notesMasterIdLst>
   <p:handoutMasterIdLst>
-    <p:handoutMasterId r:id="rId60"/>
+    <p:handoutMasterId r:id="rId59"/>
   </p:handoutMasterIdLst>
   <p:sldIdLst>
     <p:sldId id="450" r:id="rId2"/>
@@ -64,10 +64,9 @@
     <p:sldId id="470" r:id="rId52"/>
     <p:sldId id="471" r:id="rId53"/>
     <p:sldId id="472" r:id="rId54"/>
-    <p:sldId id="445" r:id="rId55"/>
-    <p:sldId id="441" r:id="rId56"/>
-    <p:sldId id="455" r:id="rId57"/>
-    <p:sldId id="442" r:id="rId58"/>
+    <p:sldId id="441" r:id="rId55"/>
+    <p:sldId id="455" r:id="rId56"/>
+    <p:sldId id="473" r:id="rId57"/>
   </p:sldIdLst>
   <p:sldSz cx="9144000" cy="6858000" type="screen4x3"/>
   <p:notesSz cx="6946900" cy="9232900"/>
@@ -229,6 +228,12 @@
 </p:presentation>
 </file>
 
+<file path=ppt/commentAuthors.xml><?xml version="1.0" encoding="utf-8"?>
+<p:cmAuthorLst xmlns:a="http://schemas.openxmlformats.org/drawingml/2006/main" xmlns:r="http://schemas.openxmlformats.org/officeDocument/2006/relationships" xmlns:p="http://schemas.openxmlformats.org/presentationml/2006/main">
+  <p:cmAuthor id="2" name="Yazar" initials="A" lastIdx="0" clrIdx="1"/>
+</p:cmAuthorLst>
+</file>
+
 <file path=ppt/handoutMasters/handoutMaster1.xml><?xml version="1.0" encoding="utf-8"?>
 <p:handoutMaster xmlns:a="http://schemas.openxmlformats.org/drawingml/2006/main" xmlns:r="http://schemas.openxmlformats.org/officeDocument/2006/relationships" xmlns:p="http://schemas.openxmlformats.org/presentationml/2006/main">
   <p:cSld>
@@ -1822,209 +1827,6 @@
 </p:notes>
 </file>
 
-<file path=ppt/notesSlides/notesSlide6.xml><?xml version="1.0" encoding="utf-8"?>
-<p:notes xmlns:a="http://schemas.openxmlformats.org/drawingml/2006/main" xmlns:r="http://schemas.openxmlformats.org/officeDocument/2006/relationships" xmlns:p="http://schemas.openxmlformats.org/presentationml/2006/main">
-  <p:cSld>
-    <p:spTree>
-      <p:nvGrpSpPr>
-        <p:cNvPr id="1" name=""/>
-        <p:cNvGrpSpPr/>
-        <p:nvPr/>
-      </p:nvGrpSpPr>
-      <p:grpSpPr>
-        <a:xfrm>
-          <a:off x="0" y="0"/>
-          <a:ext cx="0" cy="0"/>
-          <a:chOff x="0" y="0"/>
-          <a:chExt cx="0" cy="0"/>
-        </a:xfrm>
-      </p:grpSpPr>
-      <p:sp>
-        <p:nvSpPr>
-          <p:cNvPr id="58370" name="Rectangle 7"/>
-          <p:cNvSpPr>
-            <a:spLocks noGrp="1" noChangeArrowheads="1"/>
-          </p:cNvSpPr>
-          <p:nvPr>
-            <p:ph type="sldNum" sz="quarter" idx="5"/>
-          </p:nvPr>
-        </p:nvSpPr>
-        <p:spPr>
-          <a:noFill/>
-        </p:spPr>
-        <p:txBody>
-          <a:bodyPr/>
-          <a:lstStyle>
-            <a:lvl1pPr defTabSz="923925">
-              <a:defRPr sz="2000" i="1">
-                <a:solidFill>
-                  <a:schemeClr val="tx1"/>
-                </a:solidFill>
-                <a:latin typeface="Courier New" pitchFamily="49" charset="0"/>
-              </a:defRPr>
-            </a:lvl1pPr>
-            <a:lvl2pPr marL="742950" indent="-285750" defTabSz="923925">
-              <a:defRPr sz="2000" i="1">
-                <a:solidFill>
-                  <a:schemeClr val="tx1"/>
-                </a:solidFill>
-                <a:latin typeface="Courier New" pitchFamily="49" charset="0"/>
-              </a:defRPr>
-            </a:lvl2pPr>
-            <a:lvl3pPr marL="1143000" indent="-228600" defTabSz="923925">
-              <a:defRPr sz="2000" i="1">
-                <a:solidFill>
-                  <a:schemeClr val="tx1"/>
-                </a:solidFill>
-                <a:latin typeface="Courier New" pitchFamily="49" charset="0"/>
-              </a:defRPr>
-            </a:lvl3pPr>
-            <a:lvl4pPr marL="1600200" indent="-228600" defTabSz="923925">
-              <a:defRPr sz="2000" i="1">
-                <a:solidFill>
-                  <a:schemeClr val="tx1"/>
-                </a:solidFill>
-                <a:latin typeface="Courier New" pitchFamily="49" charset="0"/>
-              </a:defRPr>
-            </a:lvl4pPr>
-            <a:lvl5pPr marL="2057400" indent="-228600" defTabSz="923925">
-              <a:defRPr sz="2000" i="1">
-                <a:solidFill>
-                  <a:schemeClr val="tx1"/>
-                </a:solidFill>
-                <a:latin typeface="Courier New" pitchFamily="49" charset="0"/>
-              </a:defRPr>
-            </a:lvl5pPr>
-            <a:lvl6pPr marL="2514600" indent="-228600" defTabSz="923925" eaLnBrk="0" fontAlgn="base" hangingPunct="0">
-              <a:spcBef>
-                <a:spcPct val="0"/>
-              </a:spcBef>
-              <a:spcAft>
-                <a:spcPct val="0"/>
-              </a:spcAft>
-              <a:defRPr sz="2000" i="1">
-                <a:solidFill>
-                  <a:schemeClr val="tx1"/>
-                </a:solidFill>
-                <a:latin typeface="Courier New" pitchFamily="49" charset="0"/>
-              </a:defRPr>
-            </a:lvl6pPr>
-            <a:lvl7pPr marL="2971800" indent="-228600" defTabSz="923925" eaLnBrk="0" fontAlgn="base" hangingPunct="0">
-              <a:spcBef>
-                <a:spcPct val="0"/>
-              </a:spcBef>
-              <a:spcAft>
-                <a:spcPct val="0"/>
-              </a:spcAft>
-              <a:defRPr sz="2000" i="1">
-                <a:solidFill>
-                  <a:schemeClr val="tx1"/>
-                </a:solidFill>
-                <a:latin typeface="Courier New" pitchFamily="49" charset="0"/>
-              </a:defRPr>
-            </a:lvl7pPr>
-            <a:lvl8pPr marL="3429000" indent="-228600" defTabSz="923925" eaLnBrk="0" fontAlgn="base" hangingPunct="0">
-              <a:spcBef>
-                <a:spcPct val="0"/>
-              </a:spcBef>
-              <a:spcAft>
-                <a:spcPct val="0"/>
-              </a:spcAft>
-              <a:defRPr sz="2000" i="1">
-                <a:solidFill>
-                  <a:schemeClr val="tx1"/>
-                </a:solidFill>
-                <a:latin typeface="Courier New" pitchFamily="49" charset="0"/>
-              </a:defRPr>
-            </a:lvl8pPr>
-            <a:lvl9pPr marL="3886200" indent="-228600" defTabSz="923925" eaLnBrk="0" fontAlgn="base" hangingPunct="0">
-              <a:spcBef>
-                <a:spcPct val="0"/>
-              </a:spcBef>
-              <a:spcAft>
-                <a:spcPct val="0"/>
-              </a:spcAft>
-              <a:defRPr sz="2000" i="1">
-                <a:solidFill>
-                  <a:schemeClr val="tx1"/>
-                </a:solidFill>
-                <a:latin typeface="Courier New" pitchFamily="49" charset="0"/>
-              </a:defRPr>
-            </a:lvl9pPr>
-          </a:lstStyle>
-          <a:p>
-            <a:fld id="{E9E302E7-4D44-4D84-8213-803A344F8D11}" type="slidenum">
-              <a:rPr lang="en-US" sz="1200" i="0" smtClean="0">
-                <a:latin typeface="Times New Roman" pitchFamily="18" charset="0"/>
-              </a:rPr>
-              <a:pPr/>
-              <a:t>57</a:t>
-            </a:fld>
-            <a:endParaRPr lang="en-US" sz="1200" i="0" smtClean="0">
-              <a:latin typeface="Times New Roman" pitchFamily="18" charset="0"/>
-            </a:endParaRPr>
-          </a:p>
-        </p:txBody>
-      </p:sp>
-      <p:sp>
-        <p:nvSpPr>
-          <p:cNvPr id="58371" name="Rectangle 2"/>
-          <p:cNvSpPr>
-            <a:spLocks noGrp="1" noRot="1" noChangeAspect="1" noChangeArrowheads="1" noTextEdit="1"/>
-          </p:cNvSpPr>
-          <p:nvPr>
-            <p:ph type="sldImg"/>
-          </p:nvPr>
-        </p:nvSpPr>
-        <p:spPr>
-          <a:solidFill>
-            <a:srgbClr val="FFFFFF"/>
-          </a:solidFill>
-          <a:ln/>
-        </p:spPr>
-      </p:sp>
-      <p:sp>
-        <p:nvSpPr>
-          <p:cNvPr id="58372" name="Rectangle 3"/>
-          <p:cNvSpPr>
-            <a:spLocks noGrp="1" noChangeArrowheads="1"/>
-          </p:cNvSpPr>
-          <p:nvPr>
-            <p:ph type="body" idx="1"/>
-          </p:nvPr>
-        </p:nvSpPr>
-        <p:spPr>
-          <a:solidFill>
-            <a:srgbClr val="FFFFFF"/>
-          </a:solidFill>
-          <a:ln>
-            <a:solidFill>
-              <a:srgbClr val="000000"/>
-            </a:solidFill>
-            <a:miter lim="800000"/>
-            <a:headEnd/>
-            <a:tailEnd/>
-          </a:ln>
-        </p:spPr>
-        <p:txBody>
-          <a:bodyPr/>
-          <a:lstStyle/>
-          <a:p>
-            <a:pPr eaLnBrk="1" hangingPunct="1"/>
-            <a:endParaRPr lang="en-US" smtClean="0">
-              <a:latin typeface="Times" pitchFamily="18" charset="0"/>
-            </a:endParaRPr>
-          </a:p>
-        </p:txBody>
-      </p:sp>
-    </p:spTree>
-  </p:cSld>
-  <p:clrMapOvr>
-    <a:masterClrMapping/>
-  </p:clrMapOvr>
-</p:notes>
-</file>
-
 <file path=ppt/slideLayouts/slideLayout1.xml><?xml version="1.0" encoding="utf-8"?>
 <p:sldLayout xmlns:a="http://schemas.openxmlformats.org/drawingml/2006/main" xmlns:r="http://schemas.openxmlformats.org/officeDocument/2006/relationships" xmlns:p="http://schemas.openxmlformats.org/presentationml/2006/main" showMasterSp="0" type="title" preserve="1">
   <p:cSld name="Başlık Slaydı">
@@ -2219,7 +2021,7 @@
               <a:pPr>
                 <a:defRPr/>
               </a:pPr>
-              <a:t>3/29/2018</a:t>
+              <a:t>4/2/2018</a:t>
             </a:fld>
             <a:endParaRPr lang="en-US" dirty="0"/>
           </a:p>
@@ -2263,7 +2065,7 @@
               <a:pPr>
                 <a:defRPr/>
               </a:pPr>
-              <a:t>3/29/2018</a:t>
+              <a:t>4/2/2018</a:t>
             </a:fld>
             <a:endParaRPr lang="en-US"/>
           </a:p>
@@ -2589,7 +2391,7 @@
               <a:pPr>
                 <a:defRPr/>
               </a:pPr>
-              <a:t>3/29/2018</a:t>
+              <a:t>4/2/2018</a:t>
             </a:fld>
             <a:endParaRPr lang="en-US" dirty="0"/>
           </a:p>
@@ -2633,7 +2435,7 @@
               <a:pPr>
                 <a:defRPr/>
               </a:pPr>
-              <a:t>3/29/2018</a:t>
+              <a:t>4/2/2018</a:t>
             </a:fld>
             <a:endParaRPr lang="en-US"/>
           </a:p>
@@ -3026,7 +2828,7 @@
               <a:pPr>
                 <a:defRPr/>
               </a:pPr>
-              <a:t>3/29/2018</a:t>
+              <a:t>4/2/2018</a:t>
             </a:fld>
             <a:endParaRPr lang="en-US" dirty="0"/>
           </a:p>
@@ -3070,7 +2872,7 @@
               <a:pPr>
                 <a:defRPr/>
               </a:pPr>
-              <a:t>3/29/2018</a:t>
+              <a:t>4/2/2018</a:t>
             </a:fld>
             <a:endParaRPr lang="en-US"/>
           </a:p>
@@ -3398,7 +3200,7 @@
               <a:pPr>
                 <a:defRPr/>
               </a:pPr>
-              <a:t>3/29/2018</a:t>
+              <a:t>4/2/2018</a:t>
             </a:fld>
             <a:endParaRPr lang="en-US" dirty="0"/>
           </a:p>
@@ -3442,7 +3244,7 @@
               <a:pPr>
                 <a:defRPr/>
               </a:pPr>
-              <a:t>3/29/2018</a:t>
+              <a:t>4/2/2018</a:t>
             </a:fld>
             <a:endParaRPr lang="en-US"/>
           </a:p>
@@ -3754,7 +3556,7 @@
               <a:pPr>
                 <a:defRPr/>
               </a:pPr>
-              <a:t>3/29/2018</a:t>
+              <a:t>4/2/2018</a:t>
             </a:fld>
             <a:endParaRPr lang="en-US" dirty="0"/>
           </a:p>
@@ -3798,7 +3600,7 @@
               <a:pPr>
                 <a:defRPr/>
               </a:pPr>
-              <a:t>3/29/2018</a:t>
+              <a:t>4/2/2018</a:t>
             </a:fld>
             <a:endParaRPr lang="en-US"/>
           </a:p>
@@ -4186,7 +3988,7 @@
               <a:pPr>
                 <a:defRPr/>
               </a:pPr>
-              <a:t>3/29/2018</a:t>
+              <a:t>4/2/2018</a:t>
             </a:fld>
             <a:endParaRPr lang="en-US" dirty="0"/>
           </a:p>
@@ -4230,7 +4032,7 @@
               <a:pPr>
                 <a:defRPr/>
               </a:pPr>
-              <a:t>3/29/2018</a:t>
+              <a:t>4/2/2018</a:t>
             </a:fld>
             <a:endParaRPr lang="en-US"/>
           </a:p>
@@ -4479,7 +4281,7 @@
               <a:pPr>
                 <a:defRPr/>
               </a:pPr>
-              <a:t>3/29/2018</a:t>
+              <a:t>4/2/2018</a:t>
             </a:fld>
             <a:endParaRPr lang="en-US" dirty="0"/>
           </a:p>
@@ -4523,7 +4325,7 @@
               <a:pPr>
                 <a:defRPr/>
               </a:pPr>
-              <a:t>3/29/2018</a:t>
+              <a:t>4/2/2018</a:t>
             </a:fld>
             <a:endParaRPr lang="en-US"/>
           </a:p>
@@ -4777,7 +4579,7 @@
               <a:pPr>
                 <a:defRPr/>
               </a:pPr>
-              <a:t>3/29/2018</a:t>
+              <a:t>4/2/2018</a:t>
             </a:fld>
             <a:endParaRPr lang="en-US" dirty="0"/>
           </a:p>
@@ -4821,7 +4623,7 @@
               <a:pPr>
                 <a:defRPr/>
               </a:pPr>
-              <a:t>3/29/2018</a:t>
+              <a:t>4/2/2018</a:t>
             </a:fld>
             <a:endParaRPr lang="en-US"/>
           </a:p>
@@ -5589,7 +5391,7 @@
               <a:pPr>
                 <a:defRPr/>
               </a:pPr>
-              <a:t>3/29/2018</a:t>
+              <a:t>4/2/2018</a:t>
             </a:fld>
             <a:endParaRPr lang="en-US" dirty="0"/>
           </a:p>
@@ -5633,7 +5435,7 @@
               <a:pPr>
                 <a:defRPr/>
               </a:pPr>
-              <a:t>3/29/2018</a:t>
+              <a:t>4/2/2018</a:t>
             </a:fld>
             <a:endParaRPr lang="en-US"/>
           </a:p>
@@ -5954,7 +5756,7 @@
               <a:pPr>
                 <a:defRPr/>
               </a:pPr>
-              <a:t>3/29/2018</a:t>
+              <a:t>4/2/2018</a:t>
             </a:fld>
             <a:endParaRPr lang="en-US" dirty="0"/>
           </a:p>
@@ -5998,7 +5800,7 @@
               <a:pPr>
                 <a:defRPr/>
               </a:pPr>
-              <a:t>3/29/2018</a:t>
+              <a:t>4/2/2018</a:t>
             </a:fld>
             <a:endParaRPr lang="en-US"/>
           </a:p>
@@ -6313,7 +6115,7 @@
               <a:pPr>
                 <a:defRPr/>
               </a:pPr>
-              <a:t>3/29/2018</a:t>
+              <a:t>4/2/2018</a:t>
             </a:fld>
             <a:endParaRPr lang="en-US" dirty="0"/>
           </a:p>
@@ -6357,7 +6159,7 @@
               <a:pPr>
                 <a:defRPr/>
               </a:pPr>
-              <a:t>3/29/2018</a:t>
+              <a:t>4/2/2018</a:t>
             </a:fld>
             <a:endParaRPr lang="en-US"/>
           </a:p>
@@ -6806,7 +6608,7 @@
               <a:pPr>
                 <a:defRPr/>
               </a:pPr>
-              <a:t>3/29/2018</a:t>
+              <a:t>4/2/2018</a:t>
             </a:fld>
             <a:endParaRPr lang="en-US" dirty="0"/>
           </a:p>
@@ -6850,7 +6652,7 @@
               <a:pPr>
                 <a:defRPr/>
               </a:pPr>
-              <a:t>3/29/2018</a:t>
+              <a:t>4/2/2018</a:t>
             </a:fld>
             <a:endParaRPr lang="en-US"/>
           </a:p>
@@ -7052,7 +6854,7 @@
               <a:pPr>
                 <a:defRPr/>
               </a:pPr>
-              <a:t>3/29/2018</a:t>
+              <a:t>4/2/2018</a:t>
             </a:fld>
             <a:endParaRPr lang="en-US" dirty="0"/>
           </a:p>
@@ -7096,7 +6898,7 @@
               <a:pPr>
                 <a:defRPr/>
               </a:pPr>
-              <a:t>3/29/2018</a:t>
+              <a:t>4/2/2018</a:t>
             </a:fld>
             <a:endParaRPr lang="en-US"/>
           </a:p>
@@ -7265,7 +7067,7 @@
               <a:pPr>
                 <a:defRPr/>
               </a:pPr>
-              <a:t>3/29/2018</a:t>
+              <a:t>4/2/2018</a:t>
             </a:fld>
             <a:endParaRPr lang="en-US" dirty="0"/>
           </a:p>
@@ -7309,7 +7111,7 @@
               <a:pPr>
                 <a:defRPr/>
               </a:pPr>
-              <a:t>3/29/2018</a:t>
+              <a:t>4/2/2018</a:t>
             </a:fld>
             <a:endParaRPr lang="en-US"/>
           </a:p>
@@ -7634,7 +7436,7 @@
               <a:pPr>
                 <a:defRPr/>
               </a:pPr>
-              <a:t>3/29/2018</a:t>
+              <a:t>4/2/2018</a:t>
             </a:fld>
             <a:endParaRPr lang="en-US" dirty="0"/>
           </a:p>
@@ -7678,7 +7480,7 @@
               <a:pPr>
                 <a:defRPr/>
               </a:pPr>
-              <a:t>3/29/2018</a:t>
+              <a:t>4/2/2018</a:t>
             </a:fld>
             <a:endParaRPr lang="en-US"/>
           </a:p>
@@ -8015,7 +7817,7 @@
               <a:pPr>
                 <a:defRPr/>
               </a:pPr>
-              <a:t>3/29/2018</a:t>
+              <a:t>4/2/2018</a:t>
             </a:fld>
             <a:endParaRPr lang="en-US" dirty="0"/>
           </a:p>
@@ -8059,7 +7861,7 @@
               <a:pPr>
                 <a:defRPr/>
               </a:pPr>
-              <a:t>3/29/2018</a:t>
+              <a:t>4/2/2018</a:t>
             </a:fld>
             <a:endParaRPr lang="en-US"/>
           </a:p>
@@ -10168,7 +9970,7 @@
               <a:pPr>
                 <a:defRPr/>
               </a:pPr>
-              <a:t>3/29/2018</a:t>
+              <a:t>4/2/2018</a:t>
             </a:fld>
             <a:endParaRPr lang="en-US" dirty="0"/>
           </a:p>
@@ -10230,7 +10032,7 @@
               <a:pPr>
                 <a:defRPr/>
               </a:pPr>
-              <a:t>3/29/2018</a:t>
+              <a:t>4/2/2018</a:t>
             </a:fld>
             <a:endParaRPr lang="en-US"/>
           </a:p>
@@ -41938,7 +41740,7 @@
         </p:nvSpPr>
         <p:spPr>
           <a:xfrm>
-            <a:off x="460717" y="990600"/>
+            <a:off x="457200" y="1371600"/>
             <a:ext cx="8229600" cy="4713387"/>
           </a:xfrm>
         </p:spPr>
@@ -41950,8 +41752,78 @@
           <a:p>
             <a:pPr eaLnBrk="1" hangingPunct="1"/>
             <a:r>
+              <a:rPr lang="en-US" sz="3200" dirty="0" smtClean="0"/>
+              <a:t>Total time: </a:t>
+            </a:r>
+            <a:r>
+              <a:rPr lang="en-US" sz="3200" b="1" dirty="0" smtClean="0">
+                <a:solidFill>
+                  <a:srgbClr val="0070C0"/>
+                </a:solidFill>
+              </a:rPr>
+              <a:t>O(</a:t>
+            </a:r>
+            <a:r>
+              <a:rPr lang="en-US" sz="3200" b="1" i="1" dirty="0" smtClean="0">
+                <a:solidFill>
+                  <a:srgbClr val="0070C0"/>
+                </a:solidFill>
+              </a:rPr>
+              <a:t>n</a:t>
+            </a:r>
+            <a:r>
+              <a:rPr lang="en-US" sz="3200" b="1" dirty="0" smtClean="0">
+                <a:solidFill>
+                  <a:srgbClr val="0070C0"/>
+                </a:solidFill>
+              </a:rPr>
+              <a:t> + </a:t>
+            </a:r>
+            <a:r>
+              <a:rPr lang="en-US" sz="3200" b="1" i="1" dirty="0" smtClean="0">
+                <a:solidFill>
+                  <a:srgbClr val="0070C0"/>
+                </a:solidFill>
+              </a:rPr>
+              <a:t>k</a:t>
+            </a:r>
+            <a:r>
+              <a:rPr lang="en-US" sz="3200" b="1" dirty="0" smtClean="0">
+                <a:solidFill>
+                  <a:srgbClr val="0070C0"/>
+                </a:solidFill>
+              </a:rPr>
+              <a:t>)</a:t>
+            </a:r>
+          </a:p>
+          <a:p>
+            <a:pPr lvl="1" eaLnBrk="1" hangingPunct="1"/>
+            <a:r>
               <a:rPr lang="en-US" sz="2800" dirty="0" smtClean="0"/>
-              <a:t>Total time: </a:t>
+              <a:t>Usually, </a:t>
+            </a:r>
+            <a:r>
+              <a:rPr lang="en-US" sz="2800" i="1" dirty="0" smtClean="0"/>
+              <a:t>k = </a:t>
+            </a:r>
+            <a:r>
+              <a:rPr lang="en-US" sz="2800" dirty="0" smtClean="0"/>
+              <a:t>O(</a:t>
+            </a:r>
+            <a:r>
+              <a:rPr lang="en-US" sz="2800" i="1" dirty="0" smtClean="0"/>
+              <a:t>n</a:t>
+            </a:r>
+            <a:r>
+              <a:rPr lang="en-US" sz="2800" dirty="0" smtClean="0"/>
+              <a:t>)</a:t>
+            </a:r>
+          </a:p>
+          <a:p>
+            <a:pPr lvl="1" eaLnBrk="1" hangingPunct="1"/>
+            <a:r>
+              <a:rPr lang="en-US" sz="2800" dirty="0" smtClean="0"/>
+              <a:t>Thus counting sort runs in </a:t>
             </a:r>
             <a:r>
               <a:rPr lang="en-US" sz="2800" b="1" dirty="0" smtClean="0">
@@ -41959,116 +41831,39 @@
                   <a:srgbClr val="0070C0"/>
                 </a:solidFill>
               </a:rPr>
-              <a:t>O(</a:t>
-            </a:r>
-            <a:r>
-              <a:rPr lang="en-US" sz="2800" b="1" i="1" dirty="0" smtClean="0">
-                <a:solidFill>
-                  <a:srgbClr val="0070C0"/>
-                </a:solidFill>
-              </a:rPr>
-              <a:t>n</a:t>
-            </a:r>
-            <a:r>
-              <a:rPr lang="en-US" sz="2800" b="1" dirty="0" smtClean="0">
-                <a:solidFill>
-                  <a:srgbClr val="0070C0"/>
-                </a:solidFill>
-              </a:rPr>
-              <a:t> + </a:t>
-            </a:r>
-            <a:r>
-              <a:rPr lang="en-US" sz="2800" b="1" i="1" dirty="0" smtClean="0">
-                <a:solidFill>
-                  <a:srgbClr val="0070C0"/>
-                </a:solidFill>
-              </a:rPr>
-              <a:t>k</a:t>
-            </a:r>
-            <a:r>
-              <a:rPr lang="en-US" sz="2800" b="1" dirty="0" smtClean="0">
-                <a:solidFill>
-                  <a:srgbClr val="0070C0"/>
-                </a:solidFill>
-              </a:rPr>
-              <a:t>)</a:t>
+              <a:t>O(n)</a:t>
+            </a:r>
+            <a:r>
+              <a:rPr lang="en-US" sz="2800" dirty="0" smtClean="0"/>
+              <a:t> time</a:t>
             </a:r>
           </a:p>
           <a:p>
             <a:pPr lvl="1" eaLnBrk="1" hangingPunct="1"/>
-            <a:r>
-              <a:rPr lang="en-US" sz="2400" dirty="0" smtClean="0"/>
-              <a:t>Usually, </a:t>
-            </a:r>
-            <a:r>
-              <a:rPr lang="en-US" sz="2400" i="1" dirty="0" smtClean="0"/>
-              <a:t>k = </a:t>
-            </a:r>
-            <a:r>
-              <a:rPr lang="en-US" sz="2400" dirty="0" smtClean="0"/>
-              <a:t>O(</a:t>
-            </a:r>
-            <a:r>
-              <a:rPr lang="en-US" sz="2400" i="1" dirty="0" smtClean="0"/>
-              <a:t>n</a:t>
-            </a:r>
-            <a:r>
-              <a:rPr lang="en-US" sz="2400" dirty="0" smtClean="0"/>
-              <a:t>)</a:t>
-            </a:r>
+            <a:endParaRPr lang="en-US" sz="2800" dirty="0" smtClean="0"/>
           </a:p>
           <a:p>
             <a:pPr lvl="1" eaLnBrk="1" hangingPunct="1"/>
-            <a:r>
-              <a:rPr lang="en-US" sz="2400" dirty="0" smtClean="0"/>
-              <a:t>Thus counting sort runs in </a:t>
-            </a:r>
-            <a:r>
-              <a:rPr lang="en-US" sz="2400" b="1" dirty="0" smtClean="0">
-                <a:solidFill>
-                  <a:srgbClr val="0070C0"/>
-                </a:solidFill>
-              </a:rPr>
-              <a:t>O(n)</a:t>
-            </a:r>
-            <a:r>
-              <a:rPr lang="en-US" sz="2400" dirty="0" smtClean="0"/>
-              <a:t> time</a:t>
-            </a:r>
-          </a:p>
-          <a:p>
-            <a:pPr lvl="1" eaLnBrk="1" hangingPunct="1"/>
-            <a:endParaRPr lang="en-US" sz="2400" dirty="0" smtClean="0"/>
-          </a:p>
-          <a:p>
-            <a:pPr eaLnBrk="1" hangingPunct="1"/>
-            <a:r>
-              <a:rPr lang="en-US" sz="2800" dirty="0" smtClean="0"/>
-              <a:t>But sorting is </a:t>
-            </a:r>
             <a:r>
               <a:rPr lang="en-US" sz="2800" dirty="0" smtClean="0">
                 <a:sym typeface="Symbol" pitchFamily="18" charset="2"/>
               </a:rPr>
-              <a:t>(</a:t>
-            </a:r>
-            <a:r>
-              <a:rPr lang="en-US" sz="2800" i="1" dirty="0" smtClean="0">
-                <a:sym typeface="Symbol" pitchFamily="18" charset="2"/>
-              </a:rPr>
-              <a:t>n</a:t>
+              <a:t>Notice </a:t>
             </a:r>
             <a:r>
               <a:rPr lang="en-US" sz="2800" dirty="0" smtClean="0">
                 <a:sym typeface="Symbol" pitchFamily="18" charset="2"/>
               </a:rPr>
-              <a:t> </a:t>
-            </a:r>
-            <a:r>
-              <a:rPr lang="en-US" sz="2800" dirty="0" err="1" smtClean="0">
+              <a:t>that this algorithm is </a:t>
+            </a:r>
+            <a:r>
+              <a:rPr lang="en-US" sz="2800" i="1" dirty="0" smtClean="0">
+                <a:solidFill>
+                  <a:schemeClr val="tx2"/>
+                </a:solidFill>
                 <a:sym typeface="Symbol" pitchFamily="18" charset="2"/>
               </a:rPr>
-              <a:t>lg</a:t>
+              <a:t>stable</a:t>
             </a:r>
             <a:r>
               <a:rPr lang="en-US" sz="2800" dirty="0" smtClean="0">
@@ -42076,85 +41871,22 @@
               </a:rPr>
               <a:t> </a:t>
             </a:r>
-            <a:r>
-              <a:rPr lang="en-US" sz="2800" i="1" dirty="0" smtClean="0">
+          </a:p>
+          <a:p>
+            <a:pPr lvl="2"/>
+            <a:r>
+              <a:rPr lang="en-US" sz="2400" dirty="0">
                 <a:sym typeface="Symbol" pitchFamily="18" charset="2"/>
               </a:rPr>
-              <a:t>n</a:t>
-            </a:r>
-            <a:r>
-              <a:rPr lang="en-US" sz="2800" dirty="0" smtClean="0">
-                <a:sym typeface="Symbol" pitchFamily="18" charset="2"/>
-              </a:rPr>
-              <a:t>)!</a:t>
-            </a:r>
-          </a:p>
-          <a:p>
-            <a:pPr lvl="1" eaLnBrk="1" hangingPunct="1"/>
+              <a:t>A sorting algorithm is said to be stable if two objects with equal keys appear in the same order in sorted output as they appear in the input array to be </a:t>
+            </a:r>
             <a:r>
               <a:rPr lang="en-US" sz="2400" dirty="0" smtClean="0">
                 <a:sym typeface="Symbol" pitchFamily="18" charset="2"/>
               </a:rPr>
-              <a:t>No contradiction -- this is not a comparison sort (in fact, there are </a:t>
-            </a:r>
-            <a:r>
-              <a:rPr lang="en-US" sz="2400" i="1" dirty="0" smtClean="0">
-                <a:sym typeface="Symbol" pitchFamily="18" charset="2"/>
-              </a:rPr>
-              <a:t>no</a:t>
-            </a:r>
-            <a:r>
-              <a:rPr lang="en-US" sz="2400" dirty="0" smtClean="0">
-                <a:sym typeface="Symbol" pitchFamily="18" charset="2"/>
-              </a:rPr>
-              <a:t> comparisons at all!)</a:t>
-            </a:r>
-          </a:p>
-          <a:p>
-            <a:pPr lvl="1" eaLnBrk="1" hangingPunct="1"/>
-            <a:endParaRPr lang="en-US" sz="2400" dirty="0" smtClean="0">
-              <a:sym typeface="Symbol" pitchFamily="18" charset="2"/>
-            </a:endParaRPr>
-          </a:p>
-          <a:p>
-            <a:pPr lvl="1" eaLnBrk="1" hangingPunct="1"/>
-            <a:r>
-              <a:rPr lang="en-US" sz="2400" dirty="0" smtClean="0">
-                <a:sym typeface="Symbol" pitchFamily="18" charset="2"/>
-              </a:rPr>
-              <a:t>Notice that this algorithm is </a:t>
-            </a:r>
-            <a:r>
-              <a:rPr lang="en-US" sz="2400" i="1" dirty="0" smtClean="0">
-                <a:solidFill>
-                  <a:schemeClr val="tx2"/>
-                </a:solidFill>
-                <a:sym typeface="Symbol" pitchFamily="18" charset="2"/>
-              </a:rPr>
-              <a:t>stable</a:t>
-            </a:r>
-            <a:r>
-              <a:rPr lang="en-US" sz="2400" dirty="0" smtClean="0">
-                <a:sym typeface="Symbol" pitchFamily="18" charset="2"/>
-              </a:rPr>
-              <a:t> </a:t>
-            </a:r>
-          </a:p>
-          <a:p>
-            <a:pPr lvl="2"/>
-            <a:r>
-              <a:rPr lang="en-US" dirty="0">
-                <a:sym typeface="Symbol" pitchFamily="18" charset="2"/>
-              </a:rPr>
-              <a:t>A sorting algorithm is said to be stable if two objects with equal keys appear in the same order in sorted output as they appear in the input array to be </a:t>
-            </a:r>
-            <a:r>
-              <a:rPr lang="en-US" dirty="0" smtClean="0">
-                <a:sym typeface="Symbol" pitchFamily="18" charset="2"/>
-              </a:rPr>
               <a:t>sorted</a:t>
             </a:r>
-            <a:endParaRPr lang="en-US" sz="2400" dirty="0" smtClean="0">
+            <a:endParaRPr lang="en-US" sz="2800" dirty="0" smtClean="0">
               <a:sym typeface="Symbol" pitchFamily="18" charset="2"/>
             </a:endParaRPr>
           </a:p>
@@ -46024,40 +45756,54 @@
           <a:p>
             <a:pPr eaLnBrk="1" hangingPunct="1"/>
             <a:r>
+              <a:rPr lang="en-US" sz="2800" dirty="0" smtClean="0"/>
+              <a:t>How do we sort 1 million 64-bit numbers?</a:t>
+            </a:r>
+          </a:p>
+          <a:p>
+            <a:pPr lvl="1" eaLnBrk="1" hangingPunct="1"/>
+            <a:r>
               <a:rPr lang="en-US" sz="2400" dirty="0" smtClean="0"/>
-              <a:t>How do we sort 1 million 64-bit numbers?</a:t>
+              <a:t>Yes just </a:t>
+            </a:r>
+            <a:r>
+              <a:rPr lang="en-US" sz="2400" b="1" i="1" dirty="0" smtClean="0"/>
+              <a:t>d</a:t>
+            </a:r>
+            <a:r>
+              <a:rPr lang="en-US" sz="2400" dirty="0" smtClean="0"/>
+              <a:t> the number of digits thus the iteration count changes</a:t>
+            </a:r>
+            <a:endParaRPr lang="en-US" sz="2400" dirty="0" smtClean="0"/>
+          </a:p>
+          <a:p>
+            <a:pPr eaLnBrk="1" hangingPunct="1"/>
+            <a:r>
+              <a:rPr lang="en-US" sz="2800" dirty="0" smtClean="0"/>
+              <a:t>Compares well with typical O(</a:t>
+            </a:r>
+            <a:r>
+              <a:rPr lang="en-US" sz="2800" i="1" dirty="0" smtClean="0"/>
+              <a:t>n </a:t>
+            </a:r>
+            <a:r>
+              <a:rPr lang="en-US" sz="2800" dirty="0" smtClean="0"/>
+              <a:t>log</a:t>
+            </a:r>
+            <a:r>
+              <a:rPr lang="en-US" sz="2800" i="1" dirty="0" smtClean="0"/>
+              <a:t> n</a:t>
+            </a:r>
+            <a:r>
+              <a:rPr lang="en-US" sz="2800" dirty="0" smtClean="0"/>
+              <a:t>) comparison sort </a:t>
             </a:r>
           </a:p>
           <a:p>
             <a:pPr lvl="1" eaLnBrk="1" hangingPunct="1"/>
             <a:r>
-              <a:rPr lang="en-US" dirty="0" smtClean="0"/>
-              <a:t>Treat each number as four 16-bit 'digit's</a:t>
-            </a:r>
-          </a:p>
-          <a:p>
-            <a:pPr lvl="2" eaLnBrk="1" hangingPunct="1"/>
-            <a:r>
-              <a:rPr lang="en-US" dirty="0" smtClean="0"/>
-              <a:t>n = 1 million; d = 4</a:t>
-            </a:r>
-          </a:p>
-          <a:p>
-            <a:pPr lvl="1" eaLnBrk="1" hangingPunct="1"/>
-            <a:r>
-              <a:rPr lang="en-US" dirty="0" smtClean="0"/>
-              <a:t>Can sort in just four passes</a:t>
-            </a:r>
-          </a:p>
-          <a:p>
-            <a:pPr eaLnBrk="1" hangingPunct="1"/>
-            <a:r>
               <a:rPr lang="en-US" sz="2400" dirty="0" smtClean="0"/>
-              <a:t>Compares </a:t>
-            </a:r>
-            <a:r>
-              <a:rPr lang="en-US" sz="2400" dirty="0" smtClean="0"/>
-              <a:t>well with typical O(</a:t>
+              <a:t>Requires approximately log </a:t>
             </a:r>
             <a:r>
               <a:rPr lang="en-US" sz="2400" i="1" dirty="0" smtClean="0"/>
@@ -46065,57 +45811,13 @@
             </a:r>
             <a:r>
               <a:rPr lang="en-US" sz="2400" dirty="0" smtClean="0"/>
-              <a:t>log</a:t>
-            </a:r>
-            <a:r>
-              <a:rPr lang="en-US" sz="2400" i="1" dirty="0" smtClean="0"/>
-              <a:t> n</a:t>
+              <a:t>= 20 operations per number being </a:t>
             </a:r>
             <a:r>
               <a:rPr lang="en-US" sz="2400" dirty="0" smtClean="0"/>
-              <a:t>) comparison sort </a:t>
-            </a:r>
-          </a:p>
-          <a:p>
-            <a:pPr lvl="1" eaLnBrk="1" hangingPunct="1"/>
-            <a:r>
-              <a:rPr lang="en-US" dirty="0" smtClean="0"/>
-              <a:t>Requires </a:t>
-            </a:r>
-            <a:r>
-              <a:rPr lang="en-US" dirty="0" smtClean="0"/>
-              <a:t>approximately </a:t>
-            </a:r>
-            <a:r>
-              <a:rPr lang="en-US" dirty="0" smtClean="0"/>
-              <a:t>log </a:t>
-            </a:r>
-            <a:r>
-              <a:rPr lang="en-US" i="1" dirty="0" smtClean="0"/>
-              <a:t>n </a:t>
-            </a:r>
-            <a:r>
-              <a:rPr lang="en-US" dirty="0" smtClean="0"/>
-              <a:t>= 20 operations per number being sorted</a:t>
-            </a:r>
-          </a:p>
-          <a:p>
-            <a:pPr eaLnBrk="1" hangingPunct="1"/>
-            <a:r>
-              <a:rPr lang="en-US" sz="2400" dirty="0" smtClean="0"/>
-              <a:t>Downside</a:t>
-            </a:r>
-            <a:r>
-              <a:rPr lang="en-US" sz="2400" dirty="0" smtClean="0"/>
-              <a:t>: unlike quicksort, radix sort has poor locality of reference</a:t>
-            </a:r>
-          </a:p>
-          <a:p>
-            <a:pPr lvl="1" eaLnBrk="1" hangingPunct="1"/>
-            <a:r>
-              <a:rPr lang="en-US" dirty="0" smtClean="0"/>
-              <a:t>harder to cache data in RAM to increase memory access speed</a:t>
-            </a:r>
+              <a:t>sorted</a:t>
+            </a:r>
+            <a:endParaRPr lang="en-US" sz="2400" dirty="0" smtClean="0"/>
           </a:p>
         </p:txBody>
       </p:sp>
@@ -46251,8 +45953,85 @@
                   <a:schemeClr val="accent1"/>
                 </a:solidFill>
               </a:rPr>
-              <a:t>can radix sort be used on floating-point numbers?</a:t>
-            </a:r>
+              <a:t>can </a:t>
+            </a:r>
+            <a:r>
+              <a:rPr lang="en-US" sz="2800" i="1" dirty="0" smtClean="0">
+                <a:solidFill>
+                  <a:schemeClr val="accent1"/>
+                </a:solidFill>
+              </a:rPr>
+              <a:t>radix </a:t>
+            </a:r>
+            <a:r>
+              <a:rPr lang="en-US" sz="2800" i="1" dirty="0" smtClean="0">
+                <a:solidFill>
+                  <a:schemeClr val="accent1"/>
+                </a:solidFill>
+              </a:rPr>
+              <a:t>sort be used on floating-point numbers</a:t>
+            </a:r>
+            <a:r>
+              <a:rPr lang="en-US" sz="2800" i="1" dirty="0" smtClean="0">
+                <a:solidFill>
+                  <a:schemeClr val="accent1"/>
+                </a:solidFill>
+              </a:rPr>
+              <a:t>?</a:t>
+            </a:r>
+          </a:p>
+          <a:p>
+            <a:pPr lvl="1"/>
+            <a:r>
+              <a:rPr lang="en-US" sz="2400" i="1" dirty="0" smtClean="0">
+                <a:solidFill>
+                  <a:schemeClr val="accent1"/>
+                </a:solidFill>
+              </a:rPr>
+              <a:t>Yes it can be</a:t>
+            </a:r>
+            <a:endParaRPr lang="en-US" sz="2400" i="1" dirty="0" smtClean="0">
+              <a:solidFill>
+                <a:schemeClr val="accent1"/>
+              </a:solidFill>
+            </a:endParaRPr>
+          </a:p>
+        </p:txBody>
+      </p:sp>
+      <p:sp>
+        <p:nvSpPr>
+          <p:cNvPr id="3" name="Rectangle 2"/>
+          <p:cNvSpPr>
+            <a:spLocks noGrp="1" noChangeArrowheads="1"/>
+          </p:cNvSpPr>
+          <p:nvPr>
+            <p:ph type="title"/>
+          </p:nvPr>
+        </p:nvSpPr>
+        <p:spPr>
+          <a:xfrm>
+            <a:off x="457200" y="0"/>
+            <a:ext cx="8229600" cy="1268760"/>
+          </a:xfrm>
+        </p:spPr>
+        <p:txBody>
+          <a:bodyPr>
+            <a:normAutofit/>
+          </a:bodyPr>
+          <a:lstStyle/>
+          <a:p>
+            <a:pPr eaLnBrk="1" hangingPunct="1">
+              <a:defRPr/>
+            </a:pPr>
+            <a:r>
+              <a:rPr lang="en-US" sz="4400" dirty="0"/>
+              <a:t>Radix </a:t>
+            </a:r>
+            <a:r>
+              <a:rPr lang="en-US" sz="4400" dirty="0" smtClean="0"/>
+              <a:t>Sort Speed</a:t>
+            </a:r>
+            <a:endParaRPr lang="en-US" sz="4400" dirty="0"/>
           </a:p>
         </p:txBody>
       </p:sp>
@@ -46825,9 +46604,6 @@
             </a:pPr>
             <a:r>
               <a:rPr lang="en-US" sz="2400" i="0" dirty="0" smtClean="0">
-                <a:solidFill>
-                  <a:srgbClr val="3028FF"/>
-                </a:solidFill>
                 <a:latin typeface="Century Gothic" pitchFamily="34" charset="0"/>
               </a:rPr>
               <a:t>1. divide interval [x, y) into n equal-sized subintervals (buckets)</a:t>
@@ -46846,9 +46622,6 @@
               <a:defRPr/>
             </a:pPr>
             <a:endParaRPr lang="en-US" sz="2400" i="0" dirty="0" smtClean="0">
-              <a:solidFill>
-                <a:srgbClr val="3028FF"/>
-              </a:solidFill>
               <a:latin typeface="Century Gothic" pitchFamily="34" charset="0"/>
             </a:endParaRPr>
           </a:p>
@@ -46866,9 +46639,6 @@
             </a:pPr>
             <a:r>
               <a:rPr lang="en-US" sz="2400" i="0" dirty="0" smtClean="0">
-                <a:solidFill>
-                  <a:srgbClr val="3028FF"/>
-                </a:solidFill>
                 <a:latin typeface="Century Gothic" pitchFamily="34" charset="0"/>
               </a:rPr>
               <a:t>2. distribute the n input keys into the buckets</a:t>
@@ -46887,9 +46657,6 @@
               <a:defRPr/>
             </a:pPr>
             <a:endParaRPr lang="en-US" sz="2400" i="0" dirty="0" smtClean="0">
-              <a:solidFill>
-                <a:srgbClr val="3028FF"/>
-              </a:solidFill>
               <a:latin typeface="Century Gothic" pitchFamily="34" charset="0"/>
             </a:endParaRPr>
           </a:p>
@@ -46907,9 +46674,6 @@
             </a:pPr>
             <a:r>
               <a:rPr lang="en-US" sz="2400" i="0" dirty="0" smtClean="0">
-                <a:solidFill>
-                  <a:srgbClr val="3028FF"/>
-                </a:solidFill>
                 <a:latin typeface="Century Gothic" pitchFamily="34" charset="0"/>
               </a:rPr>
               <a:t>3. sort the numbers in each bucket (e.g., with insertion sort)</a:t>
@@ -46928,9 +46692,6 @@
               <a:defRPr/>
             </a:pPr>
             <a:endParaRPr lang="en-US" sz="2400" i="0" dirty="0" smtClean="0">
-              <a:solidFill>
-                <a:srgbClr val="3028FF"/>
-              </a:solidFill>
               <a:latin typeface="Century Gothic" pitchFamily="34" charset="0"/>
             </a:endParaRPr>
           </a:p>
@@ -46948,9 +46709,6 @@
             </a:pPr>
             <a:r>
               <a:rPr lang="en-US" sz="2400" i="0" dirty="0" smtClean="0">
-                <a:solidFill>
-                  <a:srgbClr val="3028FF"/>
-                </a:solidFill>
                 <a:latin typeface="Century Gothic" pitchFamily="34" charset="0"/>
               </a:rPr>
               <a:t>4. scan the (sorted) buckets in order and produce the output array (usually A)</a:t>
@@ -47142,7 +46900,7 @@
               <a:defRPr/>
             </a:pPr>
             <a:r>
-              <a:rPr lang="en-US" i="0">
+              <a:rPr lang="en-US" i="0" dirty="0">
                 <a:latin typeface="Century Gothic" pitchFamily="34" charset="0"/>
               </a:rPr>
               <a:t>each bucket</a:t>
@@ -47153,7 +46911,7 @@
               <a:defRPr/>
             </a:pPr>
             <a:r>
-              <a:rPr lang="en-US" i="0">
+              <a:rPr lang="en-US" i="0" dirty="0">
                 <a:latin typeface="Century Gothic" pitchFamily="34" charset="0"/>
               </a:rPr>
               <a:t>(list) must</a:t>
@@ -47164,12 +46922,12 @@
               <a:defRPr/>
             </a:pPr>
             <a:r>
-              <a:rPr lang="en-US" i="0">
+              <a:rPr lang="en-US" i="0" dirty="0">
                 <a:latin typeface="Century Gothic" pitchFamily="34" charset="0"/>
               </a:rPr>
               <a:t>be sorted</a:t>
             </a:r>
-            <a:endParaRPr lang="en-GB" i="0">
+            <a:endParaRPr lang="en-GB" i="0" dirty="0">
               <a:latin typeface="Century Gothic" pitchFamily="34" charset="0"/>
             </a:endParaRPr>
           </a:p>
@@ -48941,6 +48699,13 @@
   <p:clrMapOvr>
     <a:masterClrMapping/>
   </p:clrMapOvr>
+  <p:timing>
+    <p:tnLst>
+      <p:par>
+        <p:cTn id="1" dur="indefinite" restart="never" nodeType="tmRoot"/>
+      </p:par>
+    </p:tnLst>
+  </p:timing>
 </p:sld>
 </file>
 
@@ -48963,9 +48728,9 @@
       </p:grpSpPr>
       <p:sp>
         <p:nvSpPr>
-          <p:cNvPr id="51202" name="Content Placeholder 4"/>
+          <p:cNvPr id="52226" name="Rectangle 3"/>
           <p:cNvSpPr>
-            <a:spLocks noGrp="1"/>
+            <a:spLocks noGrp="1" noChangeArrowheads="1"/>
           </p:cNvSpPr>
           <p:nvPr>
             <p:ph idx="1"/>
@@ -48973,8 +48738,8 @@
         </p:nvSpPr>
         <p:spPr>
           <a:xfrm>
-            <a:off x="457200" y="1143000"/>
-            <a:ext cx="8229600" cy="4713387"/>
+            <a:off x="457200" y="1412875"/>
+            <a:ext cx="8229600" cy="4149725"/>
           </a:xfrm>
         </p:spPr>
         <p:txBody>
@@ -48985,65 +48750,91 @@
           <a:p>
             <a:pPr eaLnBrk="1" hangingPunct="1"/>
             <a:r>
+              <a:rPr lang="en-US" sz="3200" smtClean="0"/>
+              <a:t>Pro’s:</a:t>
+            </a:r>
+          </a:p>
+          <a:p>
+            <a:pPr lvl="1" eaLnBrk="1" hangingPunct="1"/>
+            <a:r>
               <a:rPr lang="en-US" sz="2400" dirty="0" smtClean="0"/>
-              <a:t>O(n) expected time</a:t>
-            </a:r>
+              <a:t>Fast</a:t>
+            </a:r>
+          </a:p>
+          <a:p>
+            <a:pPr lvl="1" eaLnBrk="1" hangingPunct="1"/>
+            <a:r>
+              <a:rPr lang="en-US" sz="2400" dirty="0" smtClean="0"/>
+              <a:t>asymptotically fast (i.e., </a:t>
+            </a:r>
+            <a:r>
+              <a:rPr lang="en-US" sz="2400" b="1" dirty="0" smtClean="0">
+                <a:solidFill>
+                  <a:schemeClr val="tx2"/>
+                </a:solidFill>
+              </a:rPr>
+              <a:t>O(</a:t>
+            </a:r>
+            <a:r>
+              <a:rPr lang="en-US" sz="2400" b="1" i="1" dirty="0" smtClean="0">
+                <a:solidFill>
+                  <a:schemeClr val="tx2"/>
+                </a:solidFill>
+              </a:rPr>
+              <a:t>n</a:t>
+            </a:r>
+            <a:r>
+              <a:rPr lang="en-US" sz="2400" b="1" dirty="0" smtClean="0">
+                <a:solidFill>
+                  <a:schemeClr val="tx2"/>
+                </a:solidFill>
+              </a:rPr>
+              <a:t>)</a:t>
+            </a:r>
+            <a:r>
+              <a:rPr lang="en-US" sz="2400" dirty="0" smtClean="0"/>
+              <a:t> when distribution is uniform)</a:t>
+            </a:r>
+          </a:p>
+          <a:p>
+            <a:pPr lvl="1" eaLnBrk="1" hangingPunct="1"/>
+            <a:r>
+              <a:rPr lang="en-US" sz="2400" dirty="0" smtClean="0"/>
+              <a:t>simple to code</a:t>
+            </a:r>
+          </a:p>
+          <a:p>
+            <a:pPr lvl="1" eaLnBrk="1" hangingPunct="1"/>
+            <a:r>
+              <a:rPr lang="en-US" sz="2400" dirty="0" smtClean="0"/>
+              <a:t>good for a rough sort</a:t>
+            </a:r>
+          </a:p>
+          <a:p>
+            <a:pPr lvl="1" eaLnBrk="1" hangingPunct="1"/>
+            <a:endParaRPr lang="en-US" sz="2800" dirty="0" smtClean="0"/>
           </a:p>
           <a:p>
             <a:pPr eaLnBrk="1" hangingPunct="1"/>
-            <a:endParaRPr lang="en-US" sz="2400" dirty="0" smtClean="0"/>
-          </a:p>
-          <a:p>
-            <a:pPr eaLnBrk="1" hangingPunct="1"/>
+            <a:r>
+              <a:rPr lang="en-US" sz="3200" dirty="0" smtClean="0"/>
+              <a:t>Con’s:</a:t>
+            </a:r>
+          </a:p>
+          <a:p>
+            <a:pPr lvl="1" eaLnBrk="1" hangingPunct="1"/>
             <a:r>
               <a:rPr lang="en-US" sz="2400" dirty="0" smtClean="0"/>
-              <a:t>Step 1:  O(1) for each interval = O(n) time total</a:t>
-            </a:r>
-          </a:p>
-          <a:p>
-            <a:pPr eaLnBrk="1" hangingPunct="1"/>
-            <a:endParaRPr lang="en-US" sz="2400" dirty="0" smtClean="0"/>
-          </a:p>
-          <a:p>
-            <a:pPr eaLnBrk="1" hangingPunct="1"/>
-            <a:r>
-              <a:rPr lang="en-US" sz="2400" dirty="0" smtClean="0"/>
-              <a:t>Step 2:  O(n) time</a:t>
-            </a:r>
-          </a:p>
-          <a:p>
-            <a:pPr eaLnBrk="1" hangingPunct="1"/>
-            <a:endParaRPr lang="en-US" sz="2400" dirty="0" smtClean="0"/>
-          </a:p>
-          <a:p>
-            <a:pPr eaLnBrk="1" hangingPunct="1"/>
-            <a:r>
-              <a:rPr lang="en-US" sz="2400" dirty="0" smtClean="0"/>
-              <a:t>Step 3:  The expected number of elements in each bucket is O(1), so total is O(n)</a:t>
-            </a:r>
-          </a:p>
-          <a:p>
-            <a:pPr eaLnBrk="1" hangingPunct="1"/>
-            <a:endParaRPr lang="en-US" sz="2400" dirty="0" smtClean="0"/>
-          </a:p>
-          <a:p>
-            <a:pPr eaLnBrk="1" hangingPunct="1"/>
-            <a:r>
-              <a:rPr lang="en-US" sz="2400" dirty="0" smtClean="0"/>
-              <a:t>Step 4:  O(n) time to scan the n buckets containing a total of n input elements</a:t>
-            </a:r>
-          </a:p>
-          <a:p>
-            <a:pPr eaLnBrk="1" hangingPunct="1"/>
-            <a:endParaRPr lang="en-US" sz="2400" dirty="0" smtClean="0"/>
-          </a:p>
-        </p:txBody>
-      </p:sp>
-      <p:sp>
-        <p:nvSpPr>
-          <p:cNvPr id="4" name="Title 3"/>
+              <a:t>doesn’t sort in place</a:t>
+            </a:r>
+          </a:p>
+        </p:txBody>
+      </p:sp>
+      <p:sp>
+        <p:nvSpPr>
+          <p:cNvPr id="920578" name="Rectangle 2"/>
           <p:cNvSpPr>
-            <a:spLocks noGrp="1"/>
+            <a:spLocks noGrp="1" noChangeArrowheads="1"/>
           </p:cNvSpPr>
           <p:nvPr>
             <p:ph type="title"/>
@@ -49061,7 +48852,7 @@
             </a:pPr>
             <a:r>
               <a:rPr lang="en-US" sz="4400" dirty="0" smtClean="0"/>
-              <a:t>Running Time</a:t>
+              <a:t>Bucket Sort Review</a:t>
             </a:r>
             <a:endParaRPr lang="en-US" sz="4400" dirty="0"/>
           </a:p>
@@ -49101,9 +48892,9 @@
       </p:grpSpPr>
       <p:sp>
         <p:nvSpPr>
-          <p:cNvPr id="52226" name="Rectangle 3"/>
+          <p:cNvPr id="2" name="İçerik Yer Tutucusu 1"/>
           <p:cNvSpPr>
-            <a:spLocks noGrp="1" noChangeArrowheads="1"/>
+            <a:spLocks noGrp="1"/>
           </p:cNvSpPr>
           <p:nvPr>
             <p:ph idx="1"/>
@@ -49111,125 +48902,218 @@
         </p:nvSpPr>
         <p:spPr>
           <a:xfrm>
-            <a:off x="457200" y="1412875"/>
-            <a:ext cx="8229600" cy="4149725"/>
-          </a:xfrm>
-        </p:spPr>
-        <p:txBody>
-          <a:bodyPr/>
-          <a:lstStyle/>
-          <a:p>
-            <a:pPr eaLnBrk="1" hangingPunct="1"/>
-            <a:r>
-              <a:rPr lang="en-US" sz="2800" smtClean="0"/>
-              <a:t>Pro’s:</a:t>
-            </a:r>
-          </a:p>
-          <a:p>
-            <a:pPr lvl="1" eaLnBrk="1" hangingPunct="1"/>
-            <a:r>
-              <a:rPr lang="en-US" smtClean="0"/>
-              <a:t>Fast</a:t>
-            </a:r>
-          </a:p>
-          <a:p>
-            <a:pPr lvl="1" eaLnBrk="1" hangingPunct="1"/>
-            <a:r>
-              <a:rPr lang="en-US" smtClean="0"/>
-              <a:t>asymptotically fast (i.e., </a:t>
-            </a:r>
-            <a:r>
-              <a:rPr lang="en-US" b="1" smtClean="0">
-                <a:solidFill>
-                  <a:schemeClr val="tx2"/>
-                </a:solidFill>
-              </a:rPr>
-              <a:t>O(</a:t>
-            </a:r>
-            <a:r>
-              <a:rPr lang="en-US" b="1" i="1" smtClean="0">
-                <a:solidFill>
-                  <a:schemeClr val="tx2"/>
+            <a:off x="152400" y="1447800"/>
+            <a:ext cx="8686800" cy="4713387"/>
+          </a:xfrm>
+        </p:spPr>
+        <p:txBody>
+          <a:bodyPr>
+            <a:noAutofit/>
+          </a:bodyPr>
+          <a:lstStyle/>
+          <a:p>
+            <a:r>
+              <a:rPr lang="en-US" sz="2400" dirty="0"/>
+              <a:t>If we know</a:t>
+            </a:r>
+            <a:r>
+              <a:rPr lang="en-US" sz="2400" b="1" dirty="0"/>
+              <a:t> </a:t>
+            </a:r>
+            <a:r>
+              <a:rPr lang="en-US" sz="2400" b="1" dirty="0">
+                <a:solidFill>
+                  <a:srgbClr val="FF0000"/>
+                </a:solidFill>
+              </a:rPr>
+              <a:t>k</a:t>
+            </a:r>
+            <a:r>
+              <a:rPr lang="en-US" sz="2400" b="1" dirty="0"/>
+              <a:t> </a:t>
+            </a:r>
+            <a:r>
+              <a:rPr lang="en-US" sz="2400" dirty="0"/>
+              <a:t>up front, and it is small (</a:t>
+            </a:r>
+            <a:r>
+              <a:rPr lang="en-US" sz="2400" dirty="0">
+                <a:solidFill>
+                  <a:srgbClr val="FF0000"/>
+                </a:solidFill>
+              </a:rPr>
+              <a:t>k</a:t>
+            </a:r>
+            <a:r>
+              <a:rPr lang="en-US" sz="2400" dirty="0"/>
+              <a:t> &lt;&lt; </a:t>
+            </a:r>
+            <a:r>
+              <a:rPr lang="en-US" sz="2400" dirty="0">
+                <a:solidFill>
+                  <a:srgbClr val="FF0000"/>
                 </a:solidFill>
               </a:rPr>
               <a:t>n</a:t>
             </a:r>
             <a:r>
-              <a:rPr lang="en-US" b="1" smtClean="0">
-                <a:solidFill>
-                  <a:schemeClr val="tx2"/>
-                </a:solidFill>
-              </a:rPr>
-              <a:t>)</a:t>
-            </a:r>
-            <a:r>
-              <a:rPr lang="en-US" smtClean="0"/>
-              <a:t> when distribution is uniform)</a:t>
-            </a:r>
-          </a:p>
-          <a:p>
-            <a:pPr lvl="1" eaLnBrk="1" hangingPunct="1"/>
-            <a:r>
-              <a:rPr lang="en-US" smtClean="0"/>
-              <a:t>simple to code</a:t>
-            </a:r>
-          </a:p>
-          <a:p>
-            <a:pPr lvl="1" eaLnBrk="1" hangingPunct="1"/>
-            <a:r>
-              <a:rPr lang="en-US" smtClean="0"/>
-              <a:t>good for a rough sort</a:t>
-            </a:r>
-          </a:p>
-          <a:p>
-            <a:pPr lvl="1" eaLnBrk="1" hangingPunct="1"/>
-            <a:endParaRPr lang="en-US" sz="2400" smtClean="0"/>
-          </a:p>
-          <a:p>
-            <a:pPr eaLnBrk="1" hangingPunct="1"/>
-            <a:r>
-              <a:rPr lang="en-US" sz="2800" smtClean="0"/>
-              <a:t>Con’s:</a:t>
-            </a:r>
-          </a:p>
-          <a:p>
-            <a:pPr lvl="1" eaLnBrk="1" hangingPunct="1"/>
-            <a:r>
-              <a:rPr lang="en-US" smtClean="0"/>
-              <a:t>doesn’t sort in place</a:t>
-            </a:r>
-          </a:p>
-        </p:txBody>
-      </p:sp>
-      <p:sp>
-        <p:nvSpPr>
-          <p:cNvPr id="920578" name="Rectangle 2"/>
+              <a:rPr lang="en-US" sz="2400" dirty="0"/>
+              <a:t>) then bucket sort can efficiently run faster than Quicksort, since </a:t>
+            </a:r>
+            <a:r>
+              <a:rPr lang="en-US" sz="2400" dirty="0">
+                <a:solidFill>
+                  <a:srgbClr val="FF0000"/>
+                </a:solidFill>
+              </a:rPr>
+              <a:t>n*log(n)</a:t>
+            </a:r>
+            <a:r>
+              <a:rPr lang="en-US" sz="2400" dirty="0"/>
+              <a:t>, the average for Quicksort, will be more than (</a:t>
+            </a:r>
+            <a:r>
+              <a:rPr lang="en-US" sz="2400" dirty="0">
+                <a:solidFill>
+                  <a:srgbClr val="FF0000"/>
+                </a:solidFill>
+              </a:rPr>
+              <a:t>n</a:t>
+            </a:r>
+            <a:r>
+              <a:rPr lang="en-US" sz="2400" dirty="0"/>
+              <a:t> + </a:t>
+            </a:r>
+            <a:r>
+              <a:rPr lang="en-US" sz="2400" dirty="0">
+                <a:solidFill>
+                  <a:srgbClr val="FF0000"/>
+                </a:solidFill>
+              </a:rPr>
+              <a:t>k</a:t>
+            </a:r>
+            <a:r>
+              <a:rPr lang="en-US" sz="2400" dirty="0"/>
+              <a:t>), which is the average for bucket sort.</a:t>
+            </a:r>
+          </a:p>
+          <a:p>
+            <a:endParaRPr lang="en-US" sz="2400" dirty="0"/>
+          </a:p>
+          <a:p>
+            <a:r>
+              <a:rPr lang="en-US" sz="2400" dirty="0"/>
+              <a:t>I.e., </a:t>
+            </a:r>
+            <a:r>
+              <a:rPr lang="en-US" sz="2400" b="1" dirty="0" err="1">
+                <a:solidFill>
+                  <a:srgbClr val="FF0000"/>
+                </a:solidFill>
+              </a:rPr>
+              <a:t>sortedList</a:t>
+            </a:r>
+            <a:r>
+              <a:rPr lang="en-US" sz="2400" b="1" dirty="0">
+                <a:solidFill>
+                  <a:srgbClr val="FF0000"/>
+                </a:solidFill>
+              </a:rPr>
+              <a:t> = (n*log(n) &gt; n + k) ? </a:t>
+            </a:r>
+            <a:r>
+              <a:rPr lang="en-US" sz="2400" b="1" dirty="0" err="1">
+                <a:solidFill>
+                  <a:srgbClr val="FF0000"/>
+                </a:solidFill>
+              </a:rPr>
+              <a:t>bucketSort</a:t>
+            </a:r>
+            <a:r>
+              <a:rPr lang="en-US" sz="2400" b="1" dirty="0">
+                <a:solidFill>
+                  <a:srgbClr val="FF0000"/>
+                </a:solidFill>
+              </a:rPr>
+              <a:t>(list) : quicksort(list);</a:t>
+            </a:r>
+          </a:p>
+          <a:p>
+            <a:endParaRPr lang="en-US" sz="2400" dirty="0"/>
+          </a:p>
+          <a:p>
+            <a:r>
+              <a:rPr lang="en-US" sz="2400" dirty="0" smtClean="0"/>
+              <a:t>For example, </a:t>
+            </a:r>
+            <a:r>
+              <a:rPr lang="en-US" sz="2400" dirty="0" err="1"/>
+              <a:t>b</a:t>
+            </a:r>
+            <a:r>
+              <a:rPr lang="en-US" sz="2400" dirty="0" err="1" smtClean="0"/>
+              <a:t>ucketsort</a:t>
+            </a:r>
+            <a:r>
+              <a:rPr lang="en-US" sz="2400" dirty="0" smtClean="0"/>
+              <a:t> may be preferred for streams over quicksort because </a:t>
+            </a:r>
+            <a:r>
+              <a:rPr lang="en-US" sz="2400" dirty="0"/>
+              <a:t>the max char to be ordered compared to the minimum value can be as small as the ASCII value of 0 to the ASCII value of z, hence reducing K to a number around </a:t>
+            </a:r>
+            <a:r>
+              <a:rPr lang="en-US" sz="2400" dirty="0" smtClean="0"/>
+              <a:t>60</a:t>
+            </a:r>
+            <a:endParaRPr lang="en-US" sz="2400" dirty="0"/>
+          </a:p>
+        </p:txBody>
+      </p:sp>
+      <p:sp>
+        <p:nvSpPr>
+          <p:cNvPr id="3" name="Unvan 2"/>
           <p:cNvSpPr>
-            <a:spLocks noGrp="1" noChangeArrowheads="1"/>
+            <a:spLocks noGrp="1"/>
           </p:cNvSpPr>
           <p:nvPr>
             <p:ph type="title"/>
           </p:nvPr>
         </p:nvSpPr>
-        <p:spPr/>
+        <p:spPr>
+          <a:xfrm>
+            <a:off x="0" y="0"/>
+            <a:ext cx="9144000" cy="1268760"/>
+          </a:xfrm>
+        </p:spPr>
         <p:txBody>
           <a:bodyPr>
-            <a:normAutofit/>
-          </a:bodyPr>
-          <a:lstStyle/>
-          <a:p>
-            <a:pPr eaLnBrk="1" hangingPunct="1">
-              <a:defRPr/>
-            </a:pPr>
+            <a:noAutofit/>
+          </a:bodyPr>
+          <a:lstStyle/>
+          <a:p>
             <a:r>
               <a:rPr lang="en-US" sz="4400" dirty="0" smtClean="0"/>
-              <a:t>Bucket Sort Review</a:t>
+              <a:t>Why use </a:t>
+            </a:r>
+            <a:r>
+              <a:rPr lang="en-US" sz="4400" dirty="0" err="1" smtClean="0"/>
+              <a:t>Bucketsort</a:t>
+            </a:r>
+            <a:r>
+              <a:rPr lang="en-US" sz="4400" dirty="0" smtClean="0"/>
+              <a:t> and not Quicksort?</a:t>
             </a:r>
             <a:endParaRPr lang="en-US" sz="4400" dirty="0"/>
           </a:p>
         </p:txBody>
       </p:sp>
     </p:spTree>
+    <p:extLst>
+      <p:ext uri="{BB962C8B-B14F-4D97-AF65-F5344CB8AC3E}">
+        <p14:creationId xmlns:p14="http://schemas.microsoft.com/office/powerpoint/2010/main" val="670404577"/>
+      </p:ext>
+    </p:extLst>
   </p:cSld>
   <p:clrMapOvr>
     <a:masterClrMapping/>
@@ -49263,187 +49147,7 @@
       </p:grpSpPr>
       <p:sp>
         <p:nvSpPr>
-          <p:cNvPr id="2" name="İçerik Yer Tutucusu 1"/>
-          <p:cNvSpPr>
-            <a:spLocks noGrp="1"/>
-          </p:cNvSpPr>
-          <p:nvPr>
-            <p:ph idx="1"/>
-          </p:nvPr>
-        </p:nvSpPr>
-        <p:spPr>
-          <a:xfrm>
-            <a:off x="533400" y="1676400"/>
-            <a:ext cx="8229600" cy="4713387"/>
-          </a:xfrm>
-        </p:spPr>
-        <p:txBody>
-          <a:bodyPr>
-            <a:noAutofit/>
-          </a:bodyPr>
-          <a:lstStyle/>
-          <a:p>
-            <a:r>
-              <a:rPr lang="en-US" sz="2000" dirty="0"/>
-              <a:t>If we know</a:t>
-            </a:r>
-            <a:r>
-              <a:rPr lang="en-US" sz="2000" b="1" dirty="0"/>
-              <a:t> </a:t>
-            </a:r>
-            <a:r>
-              <a:rPr lang="en-US" sz="2000" b="1" dirty="0">
-                <a:solidFill>
-                  <a:srgbClr val="FF0000"/>
-                </a:solidFill>
-              </a:rPr>
-              <a:t>k</a:t>
-            </a:r>
-            <a:r>
-              <a:rPr lang="en-US" sz="2000" b="1" dirty="0"/>
-              <a:t> </a:t>
-            </a:r>
-            <a:r>
-              <a:rPr lang="en-US" sz="2000" dirty="0"/>
-              <a:t>up front, and it is small (</a:t>
-            </a:r>
-            <a:r>
-              <a:rPr lang="en-US" sz="2000" dirty="0">
-                <a:solidFill>
-                  <a:srgbClr val="FF0000"/>
-                </a:solidFill>
-              </a:rPr>
-              <a:t>k</a:t>
-            </a:r>
-            <a:r>
-              <a:rPr lang="en-US" sz="2000" dirty="0"/>
-              <a:t> &lt;&lt; </a:t>
-            </a:r>
-            <a:r>
-              <a:rPr lang="en-US" sz="2000" dirty="0">
-                <a:solidFill>
-                  <a:srgbClr val="FF0000"/>
-                </a:solidFill>
-              </a:rPr>
-              <a:t>n</a:t>
-            </a:r>
-            <a:r>
-              <a:rPr lang="en-US" sz="2000" dirty="0"/>
-              <a:t>) then bucket sort can efficiently run faster than Quicksort, since </a:t>
-            </a:r>
-            <a:r>
-              <a:rPr lang="en-US" sz="2000" dirty="0">
-                <a:solidFill>
-                  <a:srgbClr val="FF0000"/>
-                </a:solidFill>
-              </a:rPr>
-              <a:t>n*log(n)</a:t>
-            </a:r>
-            <a:r>
-              <a:rPr lang="en-US" sz="2000" dirty="0"/>
-              <a:t>, the average for Quicksort, will be more than (</a:t>
-            </a:r>
-            <a:r>
-              <a:rPr lang="en-US" sz="2000" dirty="0">
-                <a:solidFill>
-                  <a:srgbClr val="FF0000"/>
-                </a:solidFill>
-              </a:rPr>
-              <a:t>n</a:t>
-            </a:r>
-            <a:r>
-              <a:rPr lang="en-US" sz="2000" dirty="0"/>
-              <a:t> + </a:t>
-            </a:r>
-            <a:r>
-              <a:rPr lang="en-US" sz="2000" dirty="0">
-                <a:solidFill>
-                  <a:srgbClr val="FF0000"/>
-                </a:solidFill>
-              </a:rPr>
-              <a:t>k</a:t>
-            </a:r>
-            <a:r>
-              <a:rPr lang="en-US" sz="2000" dirty="0"/>
-              <a:t>), which is the average for bucket sort.</a:t>
-            </a:r>
-          </a:p>
-          <a:p>
-            <a:endParaRPr lang="en-US" sz="2000" dirty="0"/>
-          </a:p>
-          <a:p>
-            <a:r>
-              <a:rPr lang="en-US" sz="2000" dirty="0"/>
-              <a:t>I.e., </a:t>
-            </a:r>
-            <a:r>
-              <a:rPr lang="en-US" sz="2000" b="1" dirty="0" err="1">
-                <a:solidFill>
-                  <a:srgbClr val="FF0000"/>
-                </a:solidFill>
-              </a:rPr>
-              <a:t>sortedList</a:t>
-            </a:r>
-            <a:r>
-              <a:rPr lang="en-US" sz="2000" b="1" dirty="0">
-                <a:solidFill>
-                  <a:srgbClr val="FF0000"/>
-                </a:solidFill>
-              </a:rPr>
-              <a:t> = (n*log(n) &gt; n + k) ? </a:t>
-            </a:r>
-            <a:r>
-              <a:rPr lang="en-US" sz="2000" b="1" dirty="0" err="1">
-                <a:solidFill>
-                  <a:srgbClr val="FF0000"/>
-                </a:solidFill>
-              </a:rPr>
-              <a:t>bucketSort</a:t>
-            </a:r>
-            <a:r>
-              <a:rPr lang="en-US" sz="2000" b="1" dirty="0">
-                <a:solidFill>
-                  <a:srgbClr val="FF0000"/>
-                </a:solidFill>
-              </a:rPr>
-              <a:t>(list) : quicksort(list);</a:t>
-            </a:r>
-          </a:p>
-          <a:p>
-            <a:endParaRPr lang="en-US" sz="2000" dirty="0"/>
-          </a:p>
-          <a:p>
-            <a:r>
-              <a:rPr lang="en-US" sz="2000" dirty="0" smtClean="0"/>
-              <a:t>For example, </a:t>
-            </a:r>
-            <a:r>
-              <a:rPr lang="en-US" sz="2000" dirty="0" err="1"/>
-              <a:t>b</a:t>
-            </a:r>
-            <a:r>
-              <a:rPr lang="en-US" sz="2000" dirty="0" err="1" smtClean="0"/>
-              <a:t>ucketsort</a:t>
-            </a:r>
-            <a:r>
-              <a:rPr lang="en-US" sz="2000" dirty="0" smtClean="0"/>
-              <a:t> may be preferred for streams over quicksort because </a:t>
-            </a:r>
-            <a:r>
-              <a:rPr lang="en-US" sz="2000" dirty="0"/>
-              <a:t>the max char to be ordered compared to the minimum value can be as small as the ASCII value of 0 to the ASCII value of z, hence reducing K to a number around </a:t>
-            </a:r>
-            <a:r>
-              <a:rPr lang="en-US" sz="2000" dirty="0" smtClean="0"/>
-              <a:t>60</a:t>
-            </a:r>
-            <a:endParaRPr lang="en-US" sz="2000" dirty="0"/>
-          </a:p>
-        </p:txBody>
-      </p:sp>
-      <p:sp>
-        <p:nvSpPr>
-          <p:cNvPr id="3" name="Unvan 2"/>
+          <p:cNvPr id="2" name="Unvan 1"/>
           <p:cNvSpPr>
             <a:spLocks noGrp="1"/>
           </p:cNvSpPr>
@@ -49453,895 +49157,99 @@
         </p:nvSpPr>
         <p:spPr>
           <a:xfrm>
-            <a:off x="381000" y="0"/>
-            <a:ext cx="8686800" cy="1268760"/>
-          </a:xfrm>
-        </p:spPr>
-        <p:txBody>
-          <a:bodyPr>
-            <a:noAutofit/>
-          </a:bodyPr>
-          <a:lstStyle/>
-          <a:p>
-            <a:r>
-              <a:rPr lang="en-US" sz="4400" dirty="0" smtClean="0"/>
-              <a:t>Why use </a:t>
-            </a:r>
-            <a:r>
-              <a:rPr lang="en-US" sz="4400" dirty="0" err="1" smtClean="0"/>
-              <a:t>Bucketsort</a:t>
-            </a:r>
-            <a:r>
-              <a:rPr lang="en-US" sz="4400" dirty="0" smtClean="0"/>
-              <a:t> and not Quicksort?</a:t>
-            </a:r>
-            <a:endParaRPr lang="en-US" sz="4400" dirty="0"/>
+            <a:off x="304800" y="41639"/>
+            <a:ext cx="8458200" cy="1280890"/>
+          </a:xfrm>
+        </p:spPr>
+        <p:txBody>
+          <a:bodyPr/>
+          <a:lstStyle/>
+          <a:p>
+            <a:pPr algn="ctr"/>
+            <a:r>
+              <a:rPr lang="en-US" dirty="0" smtClean="0"/>
+              <a:t>Summary of Linear Sorts</a:t>
+            </a:r>
+            <a:br>
+              <a:rPr lang="en-US" dirty="0" smtClean="0"/>
+            </a:br>
+            <a:r>
+              <a:rPr lang="en-US" sz="3200" dirty="0" smtClean="0"/>
+              <a:t>Non-Comparison Sorts</a:t>
+            </a:r>
+            <a:endParaRPr lang="en-US" sz="3200" dirty="0"/>
+          </a:p>
+        </p:txBody>
+      </p:sp>
+      <p:pic>
+        <p:nvPicPr>
+          <p:cNvPr id="5" name="Resim 4"/>
+          <p:cNvPicPr>
+            <a:picLocks noChangeAspect="1"/>
+          </p:cNvPicPr>
+          <p:nvPr/>
+        </p:nvPicPr>
+        <p:blipFill>
+          <a:blip r:embed="rId2"/>
+          <a:stretch>
+            <a:fillRect/>
+          </a:stretch>
+        </p:blipFill>
+        <p:spPr>
+          <a:xfrm>
+            <a:off x="1380096" y="1702710"/>
+            <a:ext cx="6383808" cy="5135361"/>
+          </a:xfrm>
+          <a:prstGeom prst="rect">
+            <a:avLst/>
+          </a:prstGeom>
+        </p:spPr>
+      </p:pic>
+      <p:sp>
+        <p:nvSpPr>
+          <p:cNvPr id="6" name="Metin kutusu 5"/>
+          <p:cNvSpPr txBox="1"/>
+          <p:nvPr/>
+        </p:nvSpPr>
+        <p:spPr>
+          <a:xfrm>
+            <a:off x="0" y="1122474"/>
+            <a:ext cx="9144000" cy="461665"/>
+          </a:xfrm>
+          <a:prstGeom prst="rect">
+            <a:avLst/>
+          </a:prstGeom>
+          <a:noFill/>
+        </p:spPr>
+        <p:txBody>
+          <a:bodyPr wrap="square" rtlCol="0">
+            <a:spAutoFit/>
+          </a:bodyPr>
+          <a:lstStyle/>
+          <a:p>
+            <a:pPr algn="ctr"/>
+            <a:r>
+              <a:rPr lang="en-US" sz="2400" dirty="0" smtClean="0">
+                <a:hlinkClick r:id="rId3"/>
+              </a:rPr>
+              <a:t>https</a:t>
+            </a:r>
+            <a:r>
+              <a:rPr lang="en-US" sz="2400" dirty="0">
+                <a:hlinkClick r:id="rId3"/>
+              </a:rPr>
+              <a:t>://en.wikipedia.org/wiki/Sorting_algorithm</a:t>
+            </a:r>
+            <a:endParaRPr lang="en-US" sz="2400" dirty="0"/>
           </a:p>
         </p:txBody>
       </p:sp>
     </p:spTree>
     <p:extLst>
       <p:ext uri="{BB962C8B-B14F-4D97-AF65-F5344CB8AC3E}">
-        <p14:creationId xmlns:p14="http://schemas.microsoft.com/office/powerpoint/2010/main" val="670404577"/>
+        <p14:creationId xmlns:p14="http://schemas.microsoft.com/office/powerpoint/2010/main" val="1740084646"/>
       </p:ext>
     </p:extLst>
-  </p:cSld>
-  <p:clrMapOvr>
-    <a:masterClrMapping/>
-  </p:clrMapOvr>
-  <p:timing>
-    <p:tnLst>
-      <p:par>
-        <p:cTn id="1" dur="indefinite" restart="never" nodeType="tmRoot"/>
-      </p:par>
-    </p:tnLst>
-  </p:timing>
-</p:sld>
-</file>
-
-<file path=ppt/slides/slide57.xml><?xml version="1.0" encoding="utf-8"?>
-<p:sld xmlns:a="http://schemas.openxmlformats.org/drawingml/2006/main" xmlns:r="http://schemas.openxmlformats.org/officeDocument/2006/relationships" xmlns:p="http://schemas.openxmlformats.org/presentationml/2006/main" showMasterSp="0">
-  <p:cSld>
-    <p:spTree>
-      <p:nvGrpSpPr>
-        <p:cNvPr id="1" name=""/>
-        <p:cNvGrpSpPr/>
-        <p:nvPr/>
-      </p:nvGrpSpPr>
-      <p:grpSpPr>
-        <a:xfrm>
-          <a:off x="0" y="0"/>
-          <a:ext cx="0" cy="0"/>
-          <a:chOff x="0" y="0"/>
-          <a:chExt cx="0" cy="0"/>
-        </a:xfrm>
-      </p:grpSpPr>
-      <p:sp>
-        <p:nvSpPr>
-          <p:cNvPr id="53250" name="Text Box 3"/>
-          <p:cNvSpPr txBox="1">
-            <a:spLocks noChangeArrowheads="1"/>
-          </p:cNvSpPr>
-          <p:nvPr/>
-        </p:nvSpPr>
-        <p:spPr bwMode="auto">
-          <a:xfrm>
-            <a:off x="0" y="1219200"/>
-            <a:ext cx="9144000" cy="523875"/>
-          </a:xfrm>
-          <a:prstGeom prst="rect">
-            <a:avLst/>
-          </a:prstGeom>
-          <a:noFill/>
-          <a:ln>
-            <a:noFill/>
-          </a:ln>
-          <a:extLst>
-            <a:ext uri="{909E8E84-426E-40DD-AFC4-6F175D3DCCD1}">
-              <a14:hiddenFill xmlns:a14="http://schemas.microsoft.com/office/drawing/2010/main">
-                <a:solidFill>
-                  <a:srgbClr val="FFFFFF"/>
-                </a:solidFill>
-              </a14:hiddenFill>
-            </a:ext>
-            <a:ext uri="{91240B29-F687-4F45-9708-019B960494DF}">
-              <a14:hiddenLine xmlns:a14="http://schemas.microsoft.com/office/drawing/2010/main" w="9525">
-                <a:solidFill>
-                  <a:srgbClr val="000000"/>
-                </a:solidFill>
-                <a:miter lim="800000"/>
-                <a:headEnd/>
-                <a:tailEnd/>
-              </a14:hiddenLine>
-            </a:ext>
-          </a:extLst>
-        </p:spPr>
-        <p:txBody>
-          <a:bodyPr wrap="square">
-            <a:spAutoFit/>
-          </a:bodyPr>
-          <a:lstStyle>
-            <a:lvl1pPr>
-              <a:defRPr sz="2000" i="1">
-                <a:solidFill>
-                  <a:schemeClr val="tx1"/>
-                </a:solidFill>
-                <a:latin typeface="Courier New" pitchFamily="49" charset="0"/>
-              </a:defRPr>
-            </a:lvl1pPr>
-            <a:lvl2pPr marL="742950" indent="-285750">
-              <a:defRPr sz="2000" i="1">
-                <a:solidFill>
-                  <a:schemeClr val="tx1"/>
-                </a:solidFill>
-                <a:latin typeface="Courier New" pitchFamily="49" charset="0"/>
-              </a:defRPr>
-            </a:lvl2pPr>
-            <a:lvl3pPr marL="1143000" indent="-228600">
-              <a:defRPr sz="2000" i="1">
-                <a:solidFill>
-                  <a:schemeClr val="tx1"/>
-                </a:solidFill>
-                <a:latin typeface="Courier New" pitchFamily="49" charset="0"/>
-              </a:defRPr>
-            </a:lvl3pPr>
-            <a:lvl4pPr marL="1600200" indent="-228600">
-              <a:defRPr sz="2000" i="1">
-                <a:solidFill>
-                  <a:schemeClr val="tx1"/>
-                </a:solidFill>
-                <a:latin typeface="Courier New" pitchFamily="49" charset="0"/>
-              </a:defRPr>
-            </a:lvl4pPr>
-            <a:lvl5pPr marL="2057400" indent="-228600">
-              <a:defRPr sz="2000" i="1">
-                <a:solidFill>
-                  <a:schemeClr val="tx1"/>
-                </a:solidFill>
-                <a:latin typeface="Courier New" pitchFamily="49" charset="0"/>
-              </a:defRPr>
-            </a:lvl5pPr>
-            <a:lvl6pPr marL="2514600" indent="-228600" eaLnBrk="0" fontAlgn="base" hangingPunct="0">
-              <a:spcBef>
-                <a:spcPct val="0"/>
-              </a:spcBef>
-              <a:spcAft>
-                <a:spcPct val="0"/>
-              </a:spcAft>
-              <a:defRPr sz="2000" i="1">
-                <a:solidFill>
-                  <a:schemeClr val="tx1"/>
-                </a:solidFill>
-                <a:latin typeface="Courier New" pitchFamily="49" charset="0"/>
-              </a:defRPr>
-            </a:lvl6pPr>
-            <a:lvl7pPr marL="2971800" indent="-228600" eaLnBrk="0" fontAlgn="base" hangingPunct="0">
-              <a:spcBef>
-                <a:spcPct val="0"/>
-              </a:spcBef>
-              <a:spcAft>
-                <a:spcPct val="0"/>
-              </a:spcAft>
-              <a:defRPr sz="2000" i="1">
-                <a:solidFill>
-                  <a:schemeClr val="tx1"/>
-                </a:solidFill>
-                <a:latin typeface="Courier New" pitchFamily="49" charset="0"/>
-              </a:defRPr>
-            </a:lvl7pPr>
-            <a:lvl8pPr marL="3429000" indent="-228600" eaLnBrk="0" fontAlgn="base" hangingPunct="0">
-              <a:spcBef>
-                <a:spcPct val="0"/>
-              </a:spcBef>
-              <a:spcAft>
-                <a:spcPct val="0"/>
-              </a:spcAft>
-              <a:defRPr sz="2000" i="1">
-                <a:solidFill>
-                  <a:schemeClr val="tx1"/>
-                </a:solidFill>
-                <a:latin typeface="Courier New" pitchFamily="49" charset="0"/>
-              </a:defRPr>
-            </a:lvl8pPr>
-            <a:lvl9pPr marL="3886200" indent="-228600" eaLnBrk="0" fontAlgn="base" hangingPunct="0">
-              <a:spcBef>
-                <a:spcPct val="0"/>
-              </a:spcBef>
-              <a:spcAft>
-                <a:spcPct val="0"/>
-              </a:spcAft>
-              <a:defRPr sz="2000" i="1">
-                <a:solidFill>
-                  <a:schemeClr val="tx1"/>
-                </a:solidFill>
-                <a:latin typeface="Courier New" pitchFamily="49" charset="0"/>
-              </a:defRPr>
-            </a:lvl9pPr>
-          </a:lstStyle>
-          <a:p>
-            <a:pPr algn="ctr"/>
-            <a:r>
-              <a:rPr lang="en-US" sz="2800" i="0" dirty="0">
-                <a:latin typeface="Century Gothic" pitchFamily="34" charset="0"/>
-              </a:rPr>
-              <a:t>Non-Comparison Based Sorts</a:t>
-            </a:r>
-          </a:p>
-        </p:txBody>
-      </p:sp>
-      <p:sp>
-        <p:nvSpPr>
-          <p:cNvPr id="53251" name="Text Box 4"/>
-          <p:cNvSpPr txBox="1">
-            <a:spLocks noChangeArrowheads="1"/>
-          </p:cNvSpPr>
-          <p:nvPr/>
-        </p:nvSpPr>
-        <p:spPr bwMode="auto">
-          <a:xfrm>
-            <a:off x="381000" y="3160713"/>
-            <a:ext cx="7862888" cy="1477962"/>
-          </a:xfrm>
-          <a:prstGeom prst="rect">
-            <a:avLst/>
-          </a:prstGeom>
-          <a:noFill/>
-          <a:ln>
-            <a:noFill/>
-          </a:ln>
-          <a:extLst>
-            <a:ext uri="{909E8E84-426E-40DD-AFC4-6F175D3DCCD1}">
-              <a14:hiddenFill xmlns:a14="http://schemas.microsoft.com/office/drawing/2010/main">
-                <a:solidFill>
-                  <a:srgbClr val="FFFFFF"/>
-                </a:solidFill>
-              </a14:hiddenFill>
-            </a:ext>
-            <a:ext uri="{91240B29-F687-4F45-9708-019B960494DF}">
-              <a14:hiddenLine xmlns:a14="http://schemas.microsoft.com/office/drawing/2010/main" w="9525">
-                <a:solidFill>
-                  <a:srgbClr val="000000"/>
-                </a:solidFill>
-                <a:miter lim="800000"/>
-                <a:headEnd/>
-                <a:tailEnd/>
-              </a14:hiddenLine>
-            </a:ext>
-          </a:extLst>
-        </p:spPr>
-        <p:txBody>
-          <a:bodyPr wrap="none">
-            <a:spAutoFit/>
-          </a:bodyPr>
-          <a:lstStyle>
-            <a:lvl1pPr>
-              <a:defRPr sz="2000" i="1">
-                <a:solidFill>
-                  <a:schemeClr val="tx1"/>
-                </a:solidFill>
-                <a:latin typeface="Courier New" pitchFamily="49" charset="0"/>
-              </a:defRPr>
-            </a:lvl1pPr>
-            <a:lvl2pPr marL="742950" indent="-285750">
-              <a:defRPr sz="2000" i="1">
-                <a:solidFill>
-                  <a:schemeClr val="tx1"/>
-                </a:solidFill>
-                <a:latin typeface="Courier New" pitchFamily="49" charset="0"/>
-              </a:defRPr>
-            </a:lvl2pPr>
-            <a:lvl3pPr marL="1143000" indent="-228600">
-              <a:defRPr sz="2000" i="1">
-                <a:solidFill>
-                  <a:schemeClr val="tx1"/>
-                </a:solidFill>
-                <a:latin typeface="Courier New" pitchFamily="49" charset="0"/>
-              </a:defRPr>
-            </a:lvl3pPr>
-            <a:lvl4pPr marL="1600200" indent="-228600">
-              <a:defRPr sz="2000" i="1">
-                <a:solidFill>
-                  <a:schemeClr val="tx1"/>
-                </a:solidFill>
-                <a:latin typeface="Courier New" pitchFamily="49" charset="0"/>
-              </a:defRPr>
-            </a:lvl4pPr>
-            <a:lvl5pPr marL="2057400" indent="-228600">
-              <a:defRPr sz="2000" i="1">
-                <a:solidFill>
-                  <a:schemeClr val="tx1"/>
-                </a:solidFill>
-                <a:latin typeface="Courier New" pitchFamily="49" charset="0"/>
-              </a:defRPr>
-            </a:lvl5pPr>
-            <a:lvl6pPr marL="2514600" indent="-228600" eaLnBrk="0" fontAlgn="base" hangingPunct="0">
-              <a:spcBef>
-                <a:spcPct val="0"/>
-              </a:spcBef>
-              <a:spcAft>
-                <a:spcPct val="0"/>
-              </a:spcAft>
-              <a:defRPr sz="2000" i="1">
-                <a:solidFill>
-                  <a:schemeClr val="tx1"/>
-                </a:solidFill>
-                <a:latin typeface="Courier New" pitchFamily="49" charset="0"/>
-              </a:defRPr>
-            </a:lvl6pPr>
-            <a:lvl7pPr marL="2971800" indent="-228600" eaLnBrk="0" fontAlgn="base" hangingPunct="0">
-              <a:spcBef>
-                <a:spcPct val="0"/>
-              </a:spcBef>
-              <a:spcAft>
-                <a:spcPct val="0"/>
-              </a:spcAft>
-              <a:defRPr sz="2000" i="1">
-                <a:solidFill>
-                  <a:schemeClr val="tx1"/>
-                </a:solidFill>
-                <a:latin typeface="Courier New" pitchFamily="49" charset="0"/>
-              </a:defRPr>
-            </a:lvl7pPr>
-            <a:lvl8pPr marL="3429000" indent="-228600" eaLnBrk="0" fontAlgn="base" hangingPunct="0">
-              <a:spcBef>
-                <a:spcPct val="0"/>
-              </a:spcBef>
-              <a:spcAft>
-                <a:spcPct val="0"/>
-              </a:spcAft>
-              <a:defRPr sz="2000" i="1">
-                <a:solidFill>
-                  <a:schemeClr val="tx1"/>
-                </a:solidFill>
-                <a:latin typeface="Courier New" pitchFamily="49" charset="0"/>
-              </a:defRPr>
-            </a:lvl8pPr>
-            <a:lvl9pPr marL="3886200" indent="-228600" eaLnBrk="0" fontAlgn="base" hangingPunct="0">
-              <a:spcBef>
-                <a:spcPct val="0"/>
-              </a:spcBef>
-              <a:spcAft>
-                <a:spcPct val="0"/>
-              </a:spcAft>
-              <a:defRPr sz="2000" i="1">
-                <a:solidFill>
-                  <a:schemeClr val="tx1"/>
-                </a:solidFill>
-                <a:latin typeface="Courier New" pitchFamily="49" charset="0"/>
-              </a:defRPr>
-            </a:lvl9pPr>
-          </a:lstStyle>
-          <a:p>
-            <a:r>
-              <a:rPr lang="en-US" sz="1800" i="0">
-                <a:latin typeface="Century Gothic" pitchFamily="34" charset="0"/>
-              </a:rPr>
-              <a:t>Counting Sort	      </a:t>
-            </a:r>
-            <a:r>
-              <a:rPr lang="en-US" sz="1800" b="1" i="0">
-                <a:solidFill>
-                  <a:srgbClr val="FD3B37"/>
-                </a:solidFill>
-                <a:latin typeface="Century Gothic" pitchFamily="34" charset="0"/>
-              </a:rPr>
-              <a:t>O(n + k)	     O(n + k)	O(n + k)	</a:t>
-            </a:r>
-            <a:r>
-              <a:rPr lang="en-US" sz="1800" i="0">
-                <a:solidFill>
-                  <a:srgbClr val="FD3B37"/>
-                </a:solidFill>
-                <a:latin typeface="Century Gothic" pitchFamily="34" charset="0"/>
-              </a:rPr>
-              <a:t>	</a:t>
-            </a:r>
-            <a:r>
-              <a:rPr lang="en-US" sz="1800" b="1" i="0">
-                <a:solidFill>
-                  <a:srgbClr val="5B70FD"/>
-                </a:solidFill>
-                <a:latin typeface="Century Gothic" pitchFamily="34" charset="0"/>
-              </a:rPr>
-              <a:t>no</a:t>
-            </a:r>
-          </a:p>
-          <a:p>
-            <a:endParaRPr lang="en-US" sz="1800" i="0">
-              <a:solidFill>
-                <a:srgbClr val="5B70FD"/>
-              </a:solidFill>
-              <a:latin typeface="Century Gothic" pitchFamily="34" charset="0"/>
-            </a:endParaRPr>
-          </a:p>
-          <a:p>
-            <a:r>
-              <a:rPr lang="en-US" sz="1800" i="0">
-                <a:latin typeface="Century Gothic" pitchFamily="34" charset="0"/>
-              </a:rPr>
-              <a:t>Radix Sort	     </a:t>
-            </a:r>
-            <a:r>
-              <a:rPr lang="en-US" sz="1800" b="1" i="0">
-                <a:latin typeface="Century Gothic" pitchFamily="34" charset="0"/>
-              </a:rPr>
-              <a:t> </a:t>
-            </a:r>
-            <a:r>
-              <a:rPr lang="en-US" sz="1800" b="1" i="0">
-                <a:solidFill>
-                  <a:srgbClr val="FD3B37"/>
-                </a:solidFill>
-                <a:latin typeface="Century Gothic" pitchFamily="34" charset="0"/>
-              </a:rPr>
-              <a:t>O(d(n + k'))    O(d(n + k'))    	O(d(n + k'))  </a:t>
-            </a:r>
-            <a:r>
-              <a:rPr lang="en-US" sz="1800" i="0">
-                <a:solidFill>
-                  <a:srgbClr val="FD3B37"/>
-                </a:solidFill>
-                <a:latin typeface="Century Gothic" pitchFamily="34" charset="0"/>
-              </a:rPr>
-              <a:t>  	</a:t>
-            </a:r>
-            <a:r>
-              <a:rPr lang="en-US" sz="1800" b="1" i="0">
-                <a:solidFill>
-                  <a:srgbClr val="5B70FD"/>
-                </a:solidFill>
-                <a:latin typeface="Century Gothic" pitchFamily="34" charset="0"/>
-              </a:rPr>
-              <a:t>no</a:t>
-            </a:r>
-          </a:p>
-          <a:p>
-            <a:endParaRPr lang="en-US" sz="1800" i="0">
-              <a:latin typeface="Century Gothic" pitchFamily="34" charset="0"/>
-            </a:endParaRPr>
-          </a:p>
-          <a:p>
-            <a:r>
-              <a:rPr lang="en-US" sz="1800" i="0">
-                <a:latin typeface="Century Gothic" pitchFamily="34" charset="0"/>
-              </a:rPr>
-              <a:t>Bucket Sort              		      </a:t>
-            </a:r>
-            <a:r>
-              <a:rPr lang="en-US" sz="1800" b="1" i="0">
-                <a:solidFill>
-                  <a:srgbClr val="FD3B37"/>
-                </a:solidFill>
-                <a:latin typeface="Century Gothic" pitchFamily="34" charset="0"/>
-              </a:rPr>
-              <a:t>O(n)</a:t>
-            </a:r>
-            <a:r>
-              <a:rPr lang="en-US" sz="1800" i="0">
-                <a:solidFill>
-                  <a:srgbClr val="FD3B37"/>
-                </a:solidFill>
-                <a:latin typeface="Century Gothic" pitchFamily="34" charset="0"/>
-              </a:rPr>
-              <a:t>          			</a:t>
-            </a:r>
-            <a:r>
-              <a:rPr lang="en-US" sz="1800" b="1" i="0">
-                <a:solidFill>
-                  <a:srgbClr val="5B70FD"/>
-                </a:solidFill>
-                <a:latin typeface="Century Gothic" pitchFamily="34" charset="0"/>
-              </a:rPr>
-              <a:t>no</a:t>
-            </a:r>
-          </a:p>
-        </p:txBody>
-      </p:sp>
-      <p:sp>
-        <p:nvSpPr>
-          <p:cNvPr id="53252" name="Text Box 5"/>
-          <p:cNvSpPr txBox="1">
-            <a:spLocks noChangeArrowheads="1"/>
-          </p:cNvSpPr>
-          <p:nvPr/>
-        </p:nvSpPr>
-        <p:spPr bwMode="auto">
-          <a:xfrm>
-            <a:off x="2138363" y="2703513"/>
-            <a:ext cx="6637337" cy="369887"/>
-          </a:xfrm>
-          <a:prstGeom prst="rect">
-            <a:avLst/>
-          </a:prstGeom>
-          <a:noFill/>
-          <a:ln>
-            <a:noFill/>
-          </a:ln>
-          <a:extLst>
-            <a:ext uri="{909E8E84-426E-40DD-AFC4-6F175D3DCCD1}">
-              <a14:hiddenFill xmlns:a14="http://schemas.microsoft.com/office/drawing/2010/main">
-                <a:solidFill>
-                  <a:srgbClr val="FFFFFF"/>
-                </a:solidFill>
-              </a14:hiddenFill>
-            </a:ext>
-            <a:ext uri="{91240B29-F687-4F45-9708-019B960494DF}">
-              <a14:hiddenLine xmlns:a14="http://schemas.microsoft.com/office/drawing/2010/main" w="9525">
-                <a:solidFill>
-                  <a:srgbClr val="000000"/>
-                </a:solidFill>
-                <a:miter lim="800000"/>
-                <a:headEnd/>
-                <a:tailEnd/>
-              </a14:hiddenLine>
-            </a:ext>
-          </a:extLst>
-        </p:spPr>
-        <p:txBody>
-          <a:bodyPr wrap="none">
-            <a:spAutoFit/>
-          </a:bodyPr>
-          <a:lstStyle>
-            <a:lvl1pPr>
-              <a:defRPr sz="2000" i="1">
-                <a:solidFill>
-                  <a:schemeClr val="tx1"/>
-                </a:solidFill>
-                <a:latin typeface="Courier New" pitchFamily="49" charset="0"/>
-              </a:defRPr>
-            </a:lvl1pPr>
-            <a:lvl2pPr marL="742950" indent="-285750">
-              <a:defRPr sz="2000" i="1">
-                <a:solidFill>
-                  <a:schemeClr val="tx1"/>
-                </a:solidFill>
-                <a:latin typeface="Courier New" pitchFamily="49" charset="0"/>
-              </a:defRPr>
-            </a:lvl2pPr>
-            <a:lvl3pPr marL="1143000" indent="-228600">
-              <a:defRPr sz="2000" i="1">
-                <a:solidFill>
-                  <a:schemeClr val="tx1"/>
-                </a:solidFill>
-                <a:latin typeface="Courier New" pitchFamily="49" charset="0"/>
-              </a:defRPr>
-            </a:lvl3pPr>
-            <a:lvl4pPr marL="1600200" indent="-228600">
-              <a:defRPr sz="2000" i="1">
-                <a:solidFill>
-                  <a:schemeClr val="tx1"/>
-                </a:solidFill>
-                <a:latin typeface="Courier New" pitchFamily="49" charset="0"/>
-              </a:defRPr>
-            </a:lvl4pPr>
-            <a:lvl5pPr marL="2057400" indent="-228600">
-              <a:defRPr sz="2000" i="1">
-                <a:solidFill>
-                  <a:schemeClr val="tx1"/>
-                </a:solidFill>
-                <a:latin typeface="Courier New" pitchFamily="49" charset="0"/>
-              </a:defRPr>
-            </a:lvl5pPr>
-            <a:lvl6pPr marL="2514600" indent="-228600" eaLnBrk="0" fontAlgn="base" hangingPunct="0">
-              <a:spcBef>
-                <a:spcPct val="0"/>
-              </a:spcBef>
-              <a:spcAft>
-                <a:spcPct val="0"/>
-              </a:spcAft>
-              <a:defRPr sz="2000" i="1">
-                <a:solidFill>
-                  <a:schemeClr val="tx1"/>
-                </a:solidFill>
-                <a:latin typeface="Courier New" pitchFamily="49" charset="0"/>
-              </a:defRPr>
-            </a:lvl6pPr>
-            <a:lvl7pPr marL="2971800" indent="-228600" eaLnBrk="0" fontAlgn="base" hangingPunct="0">
-              <a:spcBef>
-                <a:spcPct val="0"/>
-              </a:spcBef>
-              <a:spcAft>
-                <a:spcPct val="0"/>
-              </a:spcAft>
-              <a:defRPr sz="2000" i="1">
-                <a:solidFill>
-                  <a:schemeClr val="tx1"/>
-                </a:solidFill>
-                <a:latin typeface="Courier New" pitchFamily="49" charset="0"/>
-              </a:defRPr>
-            </a:lvl7pPr>
-            <a:lvl8pPr marL="3429000" indent="-228600" eaLnBrk="0" fontAlgn="base" hangingPunct="0">
-              <a:spcBef>
-                <a:spcPct val="0"/>
-              </a:spcBef>
-              <a:spcAft>
-                <a:spcPct val="0"/>
-              </a:spcAft>
-              <a:defRPr sz="2000" i="1">
-                <a:solidFill>
-                  <a:schemeClr val="tx1"/>
-                </a:solidFill>
-                <a:latin typeface="Courier New" pitchFamily="49" charset="0"/>
-              </a:defRPr>
-            </a:lvl8pPr>
-            <a:lvl9pPr marL="3886200" indent="-228600" eaLnBrk="0" fontAlgn="base" hangingPunct="0">
-              <a:spcBef>
-                <a:spcPct val="0"/>
-              </a:spcBef>
-              <a:spcAft>
-                <a:spcPct val="0"/>
-              </a:spcAft>
-              <a:defRPr sz="2000" i="1">
-                <a:solidFill>
-                  <a:schemeClr val="tx1"/>
-                </a:solidFill>
-                <a:latin typeface="Courier New" pitchFamily="49" charset="0"/>
-              </a:defRPr>
-            </a:lvl9pPr>
-          </a:lstStyle>
-          <a:p>
-            <a:r>
-              <a:rPr lang="en-US" sz="1800" i="0">
-                <a:solidFill>
-                  <a:srgbClr val="FD3B37"/>
-                </a:solidFill>
-                <a:latin typeface="Century Gothic" pitchFamily="34" charset="0"/>
-              </a:rPr>
-              <a:t>   </a:t>
-            </a:r>
-            <a:r>
-              <a:rPr lang="en-US" sz="1800" i="0">
-                <a:latin typeface="Century Gothic" pitchFamily="34" charset="0"/>
-              </a:rPr>
-              <a:t> worst-case	   average-case	     best-case	in place</a:t>
-            </a:r>
-          </a:p>
-        </p:txBody>
-      </p:sp>
-      <p:sp>
-        <p:nvSpPr>
-          <p:cNvPr id="53253" name="Text Box 6"/>
-          <p:cNvSpPr txBox="1">
-            <a:spLocks noChangeArrowheads="1"/>
-          </p:cNvSpPr>
-          <p:nvPr/>
-        </p:nvSpPr>
-        <p:spPr bwMode="auto">
-          <a:xfrm>
-            <a:off x="0" y="2209800"/>
-            <a:ext cx="9144000" cy="400050"/>
-          </a:xfrm>
-          <a:prstGeom prst="rect">
-            <a:avLst/>
-          </a:prstGeom>
-          <a:noFill/>
-          <a:ln>
-            <a:noFill/>
-          </a:ln>
-          <a:extLst>
-            <a:ext uri="{909E8E84-426E-40DD-AFC4-6F175D3DCCD1}">
-              <a14:hiddenFill xmlns:a14="http://schemas.microsoft.com/office/drawing/2010/main">
-                <a:solidFill>
-                  <a:srgbClr val="FFFFFF"/>
-                </a:solidFill>
-              </a14:hiddenFill>
-            </a:ext>
-            <a:ext uri="{91240B29-F687-4F45-9708-019B960494DF}">
-              <a14:hiddenLine xmlns:a14="http://schemas.microsoft.com/office/drawing/2010/main" w="9525">
-                <a:solidFill>
-                  <a:srgbClr val="000000"/>
-                </a:solidFill>
-                <a:miter lim="800000"/>
-                <a:headEnd/>
-                <a:tailEnd/>
-              </a14:hiddenLine>
-            </a:ext>
-          </a:extLst>
-        </p:spPr>
-        <p:txBody>
-          <a:bodyPr wrap="square">
-            <a:spAutoFit/>
-          </a:bodyPr>
-          <a:lstStyle>
-            <a:lvl1pPr>
-              <a:defRPr sz="2000" i="1">
-                <a:solidFill>
-                  <a:schemeClr val="tx1"/>
-                </a:solidFill>
-                <a:latin typeface="Courier New" pitchFamily="49" charset="0"/>
-              </a:defRPr>
-            </a:lvl1pPr>
-            <a:lvl2pPr marL="742950" indent="-285750">
-              <a:defRPr sz="2000" i="1">
-                <a:solidFill>
-                  <a:schemeClr val="tx1"/>
-                </a:solidFill>
-                <a:latin typeface="Courier New" pitchFamily="49" charset="0"/>
-              </a:defRPr>
-            </a:lvl2pPr>
-            <a:lvl3pPr marL="1143000" indent="-228600">
-              <a:defRPr sz="2000" i="1">
-                <a:solidFill>
-                  <a:schemeClr val="tx1"/>
-                </a:solidFill>
-                <a:latin typeface="Courier New" pitchFamily="49" charset="0"/>
-              </a:defRPr>
-            </a:lvl3pPr>
-            <a:lvl4pPr marL="1600200" indent="-228600">
-              <a:defRPr sz="2000" i="1">
-                <a:solidFill>
-                  <a:schemeClr val="tx1"/>
-                </a:solidFill>
-                <a:latin typeface="Courier New" pitchFamily="49" charset="0"/>
-              </a:defRPr>
-            </a:lvl4pPr>
-            <a:lvl5pPr marL="2057400" indent="-228600">
-              <a:defRPr sz="2000" i="1">
-                <a:solidFill>
-                  <a:schemeClr val="tx1"/>
-                </a:solidFill>
-                <a:latin typeface="Courier New" pitchFamily="49" charset="0"/>
-              </a:defRPr>
-            </a:lvl5pPr>
-            <a:lvl6pPr marL="2514600" indent="-228600" eaLnBrk="0" fontAlgn="base" hangingPunct="0">
-              <a:spcBef>
-                <a:spcPct val="0"/>
-              </a:spcBef>
-              <a:spcAft>
-                <a:spcPct val="0"/>
-              </a:spcAft>
-              <a:defRPr sz="2000" i="1">
-                <a:solidFill>
-                  <a:schemeClr val="tx1"/>
-                </a:solidFill>
-                <a:latin typeface="Courier New" pitchFamily="49" charset="0"/>
-              </a:defRPr>
-            </a:lvl6pPr>
-            <a:lvl7pPr marL="2971800" indent="-228600" eaLnBrk="0" fontAlgn="base" hangingPunct="0">
-              <a:spcBef>
-                <a:spcPct val="0"/>
-              </a:spcBef>
-              <a:spcAft>
-                <a:spcPct val="0"/>
-              </a:spcAft>
-              <a:defRPr sz="2000" i="1">
-                <a:solidFill>
-                  <a:schemeClr val="tx1"/>
-                </a:solidFill>
-                <a:latin typeface="Courier New" pitchFamily="49" charset="0"/>
-              </a:defRPr>
-            </a:lvl7pPr>
-            <a:lvl8pPr marL="3429000" indent="-228600" eaLnBrk="0" fontAlgn="base" hangingPunct="0">
-              <a:spcBef>
-                <a:spcPct val="0"/>
-              </a:spcBef>
-              <a:spcAft>
-                <a:spcPct val="0"/>
-              </a:spcAft>
-              <a:defRPr sz="2000" i="1">
-                <a:solidFill>
-                  <a:schemeClr val="tx1"/>
-                </a:solidFill>
-                <a:latin typeface="Courier New" pitchFamily="49" charset="0"/>
-              </a:defRPr>
-            </a:lvl8pPr>
-            <a:lvl9pPr marL="3886200" indent="-228600" eaLnBrk="0" fontAlgn="base" hangingPunct="0">
-              <a:spcBef>
-                <a:spcPct val="0"/>
-              </a:spcBef>
-              <a:spcAft>
-                <a:spcPct val="0"/>
-              </a:spcAft>
-              <a:defRPr sz="2000" i="1">
-                <a:solidFill>
-                  <a:schemeClr val="tx1"/>
-                </a:solidFill>
-                <a:latin typeface="Courier New" pitchFamily="49" charset="0"/>
-              </a:defRPr>
-            </a:lvl9pPr>
-          </a:lstStyle>
-          <a:p>
-            <a:pPr algn="ctr"/>
-            <a:r>
-              <a:rPr lang="en-US" i="0" dirty="0">
-                <a:latin typeface="Century Gothic" pitchFamily="34" charset="0"/>
-              </a:rPr>
-              <a:t>Running Time</a:t>
-            </a:r>
-          </a:p>
-        </p:txBody>
-      </p:sp>
-      <p:sp>
-        <p:nvSpPr>
-          <p:cNvPr id="39943" name="Rectangle 7"/>
-          <p:cNvSpPr>
-            <a:spLocks noGrp="1" noChangeArrowheads="1"/>
-          </p:cNvSpPr>
-          <p:nvPr>
-            <p:ph type="title"/>
-          </p:nvPr>
-        </p:nvSpPr>
-        <p:spPr>
-          <a:xfrm>
-            <a:off x="0" y="0"/>
-            <a:ext cx="9144000" cy="1323975"/>
-          </a:xfrm>
-        </p:spPr>
-        <p:txBody>
-          <a:bodyPr>
-            <a:normAutofit/>
-          </a:bodyPr>
-          <a:lstStyle/>
-          <a:p>
-            <a:pPr algn="ctr" eaLnBrk="1" hangingPunct="1">
-              <a:defRPr/>
-            </a:pPr>
-            <a:r>
-              <a:rPr lang="en-US" sz="4400" dirty="0" smtClean="0"/>
-              <a:t>Summary of Linear Sorts</a:t>
-            </a:r>
-          </a:p>
-        </p:txBody>
-      </p:sp>
-      <p:sp>
-        <p:nvSpPr>
-          <p:cNvPr id="2" name="TextBox 1"/>
-          <p:cNvSpPr txBox="1"/>
-          <p:nvPr/>
-        </p:nvSpPr>
-        <p:spPr>
-          <a:xfrm>
-            <a:off x="3125260" y="5105400"/>
-            <a:ext cx="2374368" cy="1323439"/>
-          </a:xfrm>
-          <a:prstGeom prst="rect">
-            <a:avLst/>
-          </a:prstGeom>
-          <a:noFill/>
-        </p:spPr>
-        <p:txBody>
-          <a:bodyPr wrap="none" rtlCol="0">
-            <a:spAutoFit/>
-          </a:bodyPr>
-          <a:lstStyle/>
-          <a:p>
-            <a:r>
-              <a:rPr lang="en-US" i="0" smtClean="0">
-                <a:latin typeface="+mn-lt"/>
-              </a:rPr>
-              <a:t>n = size of array</a:t>
-            </a:r>
-          </a:p>
-          <a:p>
-            <a:r>
-              <a:rPr lang="en-US" i="0" smtClean="0">
-                <a:latin typeface="+mn-lt"/>
-              </a:rPr>
-              <a:t>k = range</a:t>
-            </a:r>
-          </a:p>
-          <a:p>
-            <a:r>
-              <a:rPr lang="en-US" i="0" smtClean="0">
-                <a:latin typeface="+mn-lt"/>
-              </a:rPr>
-              <a:t>d = digits</a:t>
-            </a:r>
-          </a:p>
-          <a:p>
-            <a:r>
-              <a:rPr lang="en-US" i="0" smtClean="0">
-                <a:latin typeface="+mn-lt"/>
-              </a:rPr>
-              <a:t>k' = a subrange of k</a:t>
-            </a:r>
-            <a:endParaRPr lang="en-US" i="0">
-              <a:latin typeface="+mn-lt"/>
-            </a:endParaRPr>
-          </a:p>
-        </p:txBody>
-      </p:sp>
-    </p:spTree>
   </p:cSld>
   <p:clrMapOvr>
     <a:masterClrMapping/>
@@ -50383,7 +49291,12 @@
             <p:ph idx="1"/>
           </p:nvPr>
         </p:nvSpPr>
-        <p:spPr/>
+        <p:spPr>
+          <a:xfrm>
+            <a:off x="457200" y="1143000"/>
+            <a:ext cx="8229600" cy="4713387"/>
+          </a:xfrm>
+        </p:spPr>
         <p:txBody>
           <a:bodyPr>
             <a:noAutofit/>
@@ -50392,110 +49305,110 @@
           <a:p>
             <a:pPr eaLnBrk="1" hangingPunct="1"/>
             <a:r>
+              <a:rPr lang="en-US" sz="2800" dirty="0" smtClean="0"/>
+              <a:t>All these sorting algorithms are </a:t>
+            </a:r>
+            <a:r>
+              <a:rPr lang="en-US" sz="2800" i="1" dirty="0" smtClean="0">
+                <a:solidFill>
+                  <a:schemeClr val="tx2"/>
+                </a:solidFill>
+              </a:rPr>
+              <a:t>comparison sorts</a:t>
+            </a:r>
+            <a:endParaRPr lang="en-US" sz="2800" i="1" dirty="0" smtClean="0"/>
+          </a:p>
+          <a:p>
+            <a:pPr lvl="1" eaLnBrk="1" hangingPunct="1"/>
+            <a:r>
               <a:rPr lang="en-US" sz="2400" dirty="0" smtClean="0"/>
-              <a:t>All these sorting algorithms are </a:t>
-            </a:r>
-            <a:r>
-              <a:rPr lang="en-US" sz="2400" i="1" dirty="0" smtClean="0">
+              <a:t>gain ordering information about a sequence using the comparison of two elements (=, &lt;, &gt;)</a:t>
+            </a:r>
+          </a:p>
+          <a:p>
+            <a:pPr lvl="1" eaLnBrk="1" hangingPunct="1"/>
+            <a:endParaRPr lang="en-US" sz="2400" dirty="0" smtClean="0"/>
+          </a:p>
+          <a:p>
+            <a:pPr lvl="1" eaLnBrk="1" hangingPunct="1"/>
+            <a:r>
+              <a:rPr lang="en-US" sz="2400" dirty="0" smtClean="0"/>
+              <a:t>Theorem: all </a:t>
+            </a:r>
+            <a:r>
+              <a:rPr lang="en-US" sz="2400" b="1" dirty="0" smtClean="0">
                 <a:solidFill>
                   <a:schemeClr val="tx2"/>
                 </a:solidFill>
               </a:rPr>
-              <a:t>comparison sorts</a:t>
-            </a:r>
-            <a:endParaRPr lang="en-US" sz="2400" i="1" dirty="0" smtClean="0"/>
+              <a:t>comparison</a:t>
+            </a:r>
+            <a:r>
+              <a:rPr lang="en-US" sz="2400" dirty="0" smtClean="0"/>
+              <a:t> </a:t>
+            </a:r>
+            <a:r>
+              <a:rPr lang="en-US" sz="2400" b="1" dirty="0" smtClean="0">
+                <a:solidFill>
+                  <a:srgbClr val="0070C0"/>
+                </a:solidFill>
+              </a:rPr>
+              <a:t>sorts</a:t>
+            </a:r>
+            <a:r>
+              <a:rPr lang="en-US" sz="2400" dirty="0" smtClean="0"/>
+              <a:t> are </a:t>
+            </a:r>
+            <a:r>
+              <a:rPr lang="en-US" sz="2400" b="1" dirty="0" smtClean="0">
+                <a:solidFill>
+                  <a:srgbClr val="0070C0"/>
+                </a:solidFill>
+                <a:sym typeface="Symbol" pitchFamily="18" charset="2"/>
+              </a:rPr>
+              <a:t>O(n </a:t>
+            </a:r>
+            <a:r>
+              <a:rPr lang="en-US" sz="2400" b="1" dirty="0" err="1" smtClean="0">
+                <a:solidFill>
+                  <a:srgbClr val="0070C0"/>
+                </a:solidFill>
+                <a:sym typeface="Symbol" pitchFamily="18" charset="2"/>
+              </a:rPr>
+              <a:t>lg</a:t>
+            </a:r>
+            <a:r>
+              <a:rPr lang="en-US" sz="2400" b="1" dirty="0" smtClean="0">
+                <a:solidFill>
+                  <a:srgbClr val="0070C0"/>
+                </a:solidFill>
+                <a:sym typeface="Symbol" pitchFamily="18" charset="2"/>
+              </a:rPr>
+              <a:t> n)</a:t>
+            </a:r>
+            <a:r>
+              <a:rPr lang="en-US" sz="2400" dirty="0" smtClean="0">
+                <a:sym typeface="Symbol" pitchFamily="18" charset="2"/>
+              </a:rPr>
+              <a:t> or slower</a:t>
+            </a:r>
           </a:p>
           <a:p>
             <a:pPr lvl="1" eaLnBrk="1" hangingPunct="1"/>
-            <a:r>
-              <a:rPr lang="en-US" dirty="0" smtClean="0"/>
-              <a:t>gain ordering information about a sequence using the comparison of two elements (=, &lt;, &gt;)</a:t>
-            </a:r>
-          </a:p>
-          <a:p>
-            <a:pPr lvl="1" eaLnBrk="1" hangingPunct="1"/>
-            <a:endParaRPr lang="en-US" dirty="0" smtClean="0"/>
-          </a:p>
-          <a:p>
-            <a:pPr lvl="1" eaLnBrk="1" hangingPunct="1"/>
-            <a:r>
-              <a:rPr lang="en-US" dirty="0" smtClean="0"/>
-              <a:t>Theorem: all </a:t>
-            </a:r>
-            <a:r>
-              <a:rPr lang="en-US" b="1" dirty="0" smtClean="0">
-                <a:solidFill>
-                  <a:schemeClr val="tx2"/>
-                </a:solidFill>
-              </a:rPr>
-              <a:t>comparison</a:t>
-            </a:r>
-            <a:r>
-              <a:rPr lang="en-US" dirty="0" smtClean="0"/>
-              <a:t> </a:t>
-            </a:r>
-            <a:r>
-              <a:rPr lang="en-US" b="1" dirty="0" smtClean="0">
-                <a:solidFill>
-                  <a:srgbClr val="0070C0"/>
-                </a:solidFill>
-              </a:rPr>
-              <a:t>sorts</a:t>
-            </a:r>
-            <a:r>
-              <a:rPr lang="en-US" dirty="0" smtClean="0"/>
-              <a:t> are </a:t>
-            </a:r>
-            <a:r>
-              <a:rPr lang="en-US" b="1" dirty="0" smtClean="0">
-                <a:solidFill>
-                  <a:srgbClr val="0070C0"/>
-                </a:solidFill>
-                <a:sym typeface="Symbol" pitchFamily="18" charset="2"/>
-              </a:rPr>
-              <a:t>O(n </a:t>
-            </a:r>
-            <a:r>
-              <a:rPr lang="en-US" b="1" dirty="0" err="1" smtClean="0">
-                <a:solidFill>
-                  <a:srgbClr val="0070C0"/>
-                </a:solidFill>
-                <a:sym typeface="Symbol" pitchFamily="18" charset="2"/>
-              </a:rPr>
-              <a:t>lg</a:t>
-            </a:r>
-            <a:r>
-              <a:rPr lang="en-US" b="1" dirty="0" smtClean="0">
-                <a:solidFill>
-                  <a:srgbClr val="0070C0"/>
-                </a:solidFill>
-                <a:sym typeface="Symbol" pitchFamily="18" charset="2"/>
-              </a:rPr>
-              <a:t> n)</a:t>
-            </a:r>
-            <a:r>
-              <a:rPr lang="en-US" dirty="0" smtClean="0">
-                <a:sym typeface="Symbol" pitchFamily="18" charset="2"/>
-              </a:rPr>
-              <a:t> or slower</a:t>
-            </a:r>
-          </a:p>
-          <a:p>
-            <a:pPr lvl="1" eaLnBrk="1" hangingPunct="1"/>
-            <a:endParaRPr lang="en-US" dirty="0" smtClean="0">
+            <a:endParaRPr lang="en-US" sz="2400" dirty="0" smtClean="0">
               <a:sym typeface="Symbol" pitchFamily="18" charset="2"/>
             </a:endParaRPr>
           </a:p>
           <a:p>
             <a:pPr lvl="1" eaLnBrk="1" hangingPunct="1"/>
             <a:r>
-              <a:rPr lang="en-US" dirty="0" smtClean="0">
+              <a:rPr lang="en-US" sz="2400" dirty="0" smtClean="0">
                 <a:sym typeface="Symbol" pitchFamily="18" charset="2"/>
               </a:rPr>
               <a:t>The </a:t>
             </a:r>
             <a:r>
-              <a:rPr lang="en-US" b="1" dirty="0" smtClean="0">
+              <a:rPr lang="en-US" sz="2400" b="1" dirty="0" smtClean="0">
                 <a:solidFill>
                   <a:srgbClr val="0070C0"/>
                 </a:solidFill>
@@ -50504,7 +49417,7 @@
               <a:t>best speed for sorting is </a:t>
             </a:r>
             <a:r>
-              <a:rPr lang="en-US" b="1" dirty="0" smtClean="0">
+              <a:rPr lang="en-US" sz="2400" b="1" dirty="0" smtClean="0">
                 <a:solidFill>
                   <a:srgbClr val="0070C0"/>
                 </a:solidFill>
@@ -50512,27 +49425,27 @@
               <a:t>O(n)</a:t>
             </a:r>
             <a:r>
-              <a:rPr lang="en-US" dirty="0" smtClean="0"/>
+              <a:rPr lang="en-US" sz="2400" dirty="0" smtClean="0"/>
               <a:t> </a:t>
             </a:r>
           </a:p>
           <a:p>
             <a:pPr lvl="2" eaLnBrk="1" hangingPunct="1"/>
             <a:r>
-              <a:rPr lang="en-US" dirty="0" smtClean="0"/>
+              <a:rPr lang="en-US" sz="2400" dirty="0" smtClean="0"/>
               <a:t>we must look at all the data</a:t>
             </a:r>
           </a:p>
           <a:p>
             <a:pPr lvl="2" eaLnBrk="1" hangingPunct="1"/>
             <a:r>
-              <a:rPr lang="en-US" dirty="0" smtClean="0"/>
+              <a:rPr lang="en-US" sz="2400" dirty="0" smtClean="0"/>
               <a:t>for that we must use sorting algorithms which don't require comparisons of all the data</a:t>
             </a:r>
           </a:p>
           <a:p>
             <a:pPr lvl="2" eaLnBrk="1" hangingPunct="1"/>
-            <a:endParaRPr lang="en-US" dirty="0" smtClean="0"/>
+            <a:endParaRPr lang="en-US" sz="2400" dirty="0" smtClean="0"/>
           </a:p>
         </p:txBody>
       </p:sp>
@@ -50871,13 +49784,13 @@
         </p:nvSpPr>
         <p:spPr>
           <a:xfrm>
-            <a:off x="350838" y="1214438"/>
+            <a:off x="374138" y="1371600"/>
             <a:ext cx="8183562" cy="5076825"/>
           </a:xfrm>
         </p:spPr>
         <p:txBody>
           <a:bodyPr>
-            <a:normAutofit fontScale="92500" lnSpcReduction="10000"/>
+            <a:normAutofit/>
           </a:bodyPr>
           <a:lstStyle/>
           <a:p>
@@ -50921,8 +49834,13 @@
             </a:pPr>
             <a:r>
               <a:rPr lang="en-US" altLang="en-US" sz="2400" dirty="0" smtClean="0"/>
-              <a:t>Bucket sort</a:t>
-            </a:r>
+              <a:t>Bucket </a:t>
+            </a:r>
+            <a:r>
+              <a:rPr lang="en-US" altLang="en-US" sz="2400" dirty="0" smtClean="0"/>
+              <a:t>sort</a:t>
+            </a:r>
+            <a:endParaRPr lang="en-US" altLang="en-US" sz="2400" dirty="0" smtClean="0"/>
           </a:p>
           <a:p>
             <a:pPr eaLnBrk="1" hangingPunct="1">
@@ -50930,7 +49848,10 @@
                 <a:spcPct val="150000"/>
               </a:lnSpc>
             </a:pPr>
-            <a:endParaRPr lang="en-US" altLang="en-US" sz="2400" dirty="0" smtClean="0"/>
+            <a:r>
+              <a:rPr lang="en-US" altLang="en-US" sz="2600" dirty="0" smtClean="0"/>
+              <a:t>Make certain assumptions about the data</a:t>
+            </a:r>
           </a:p>
           <a:p>
             <a:pPr eaLnBrk="1" hangingPunct="1">
@@ -50940,26 +49861,11 @@
             </a:pPr>
             <a:r>
               <a:rPr lang="en-US" altLang="en-US" sz="2600" dirty="0" smtClean="0"/>
-              <a:t>Make certain assumptions about the data</a:t>
-            </a:r>
-          </a:p>
-          <a:p>
-            <a:pPr eaLnBrk="1" hangingPunct="1">
-              <a:lnSpc>
-                <a:spcPct val="150000"/>
-              </a:lnSpc>
-            </a:pPr>
-            <a:endParaRPr lang="en-US" altLang="en-US" sz="2400" dirty="0" smtClean="0"/>
-          </a:p>
-          <a:p>
-            <a:pPr eaLnBrk="1" hangingPunct="1">
-              <a:lnSpc>
-                <a:spcPct val="150000"/>
-              </a:lnSpc>
-            </a:pPr>
+              <a:t>Linear </a:t>
+            </a:r>
             <a:r>
               <a:rPr lang="en-US" altLang="en-US" sz="2600" dirty="0" smtClean="0"/>
-              <a:t>Linear sorts are NOT “comparison sorts” </a:t>
+              <a:t>sorts are NOT “comparison sorts” </a:t>
             </a:r>
           </a:p>
           <a:p>
@@ -51035,95 +49941,102 @@
             <p:ph idx="1"/>
           </p:nvPr>
         </p:nvSpPr>
-        <p:spPr/>
-        <p:txBody>
-          <a:bodyPr/>
+        <p:spPr>
+          <a:xfrm>
+            <a:off x="457200" y="1066800"/>
+            <a:ext cx="8229600" cy="4713387"/>
+          </a:xfrm>
+        </p:spPr>
+        <p:txBody>
+          <a:bodyPr>
+            <a:noAutofit/>
+          </a:bodyPr>
           <a:lstStyle/>
           <a:p>
             <a:pPr eaLnBrk="1" hangingPunct="1"/>
             <a:r>
+              <a:rPr lang="en-US" sz="2800" dirty="0" smtClean="0"/>
+              <a:t>Many times we have restrictions on our keys</a:t>
+            </a:r>
+          </a:p>
+          <a:p>
+            <a:pPr lvl="1" eaLnBrk="1" hangingPunct="1"/>
+            <a:r>
               <a:rPr lang="en-US" sz="2400" dirty="0" smtClean="0"/>
-              <a:t>Many times we have restrictions on our keys</a:t>
+              <a:t>Deck of cards: Ace-&gt;King and four suites</a:t>
             </a:r>
           </a:p>
           <a:p>
             <a:pPr lvl="1" eaLnBrk="1" hangingPunct="1"/>
             <a:r>
-              <a:rPr lang="en-US" dirty="0" smtClean="0"/>
-              <a:t>Deck of cards: Ace-&gt;King and four suites</a:t>
+              <a:rPr lang="en-US" sz="2400" dirty="0" smtClean="0"/>
+              <a:t>Social Security Numbers</a:t>
             </a:r>
           </a:p>
           <a:p>
             <a:pPr lvl="1" eaLnBrk="1" hangingPunct="1"/>
             <a:r>
-              <a:rPr lang="en-US" dirty="0" smtClean="0"/>
-              <a:t>Social Security Numbers</a:t>
+              <a:rPr lang="en-US" sz="2400" dirty="0" smtClean="0"/>
+              <a:t>Employee ID’s</a:t>
             </a:r>
           </a:p>
           <a:p>
             <a:pPr lvl="1" eaLnBrk="1" hangingPunct="1"/>
-            <a:r>
-              <a:rPr lang="en-US" dirty="0" smtClean="0"/>
-              <a:t>Employee ID’s</a:t>
+            <a:endParaRPr lang="en-US" sz="2400" dirty="0" smtClean="0"/>
+          </a:p>
+          <a:p>
+            <a:pPr eaLnBrk="1" hangingPunct="1"/>
+            <a:r>
+              <a:rPr lang="en-US" sz="2800" dirty="0" smtClean="0"/>
+              <a:t>We will examine three algorithms which under certain conditions can run in </a:t>
+            </a:r>
+            <a:r>
+              <a:rPr lang="en-US" sz="2800" b="1" dirty="0" smtClean="0">
+                <a:solidFill>
+                  <a:schemeClr val="tx2"/>
+                </a:solidFill>
+              </a:rPr>
+              <a:t>O(</a:t>
+            </a:r>
+            <a:r>
+              <a:rPr lang="en-US" sz="2800" b="1" i="1" dirty="0" smtClean="0">
+                <a:solidFill>
+                  <a:schemeClr val="tx2"/>
+                </a:solidFill>
+              </a:rPr>
+              <a:t>n</a:t>
+            </a:r>
+            <a:r>
+              <a:rPr lang="en-US" sz="2800" b="1" dirty="0" smtClean="0">
+                <a:solidFill>
+                  <a:schemeClr val="tx2"/>
+                </a:solidFill>
+              </a:rPr>
+              <a:t>)</a:t>
+            </a:r>
+            <a:r>
+              <a:rPr lang="en-US" sz="2800" dirty="0" smtClean="0"/>
+              <a:t> time.</a:t>
             </a:r>
           </a:p>
           <a:p>
             <a:pPr lvl="1" eaLnBrk="1" hangingPunct="1"/>
-            <a:endParaRPr lang="en-US" dirty="0" smtClean="0"/>
-          </a:p>
-          <a:p>
-            <a:pPr eaLnBrk="1" hangingPunct="1"/>
             <a:r>
               <a:rPr lang="en-US" sz="2400" dirty="0" smtClean="0"/>
-              <a:t>We will examine three algorithms which under certain conditions can run in </a:t>
-            </a:r>
-            <a:r>
-              <a:rPr lang="en-US" sz="2400" b="1" dirty="0" smtClean="0">
-                <a:solidFill>
-                  <a:schemeClr val="tx2"/>
-                </a:solidFill>
-              </a:rPr>
-              <a:t>O(</a:t>
-            </a:r>
-            <a:r>
-              <a:rPr lang="en-US" sz="2400" b="1" i="1" dirty="0" smtClean="0">
-                <a:solidFill>
-                  <a:schemeClr val="tx2"/>
-                </a:solidFill>
-              </a:rPr>
-              <a:t>n</a:t>
-            </a:r>
-            <a:r>
-              <a:rPr lang="en-US" sz="2400" b="1" dirty="0" smtClean="0">
-                <a:solidFill>
-                  <a:schemeClr val="tx2"/>
-                </a:solidFill>
-              </a:rPr>
-              <a:t>)</a:t>
-            </a:r>
+              <a:t>Counting sort</a:t>
+            </a:r>
+          </a:p>
+          <a:p>
+            <a:pPr lvl="1" eaLnBrk="1" hangingPunct="1"/>
             <a:r>
               <a:rPr lang="en-US" sz="2400" dirty="0" smtClean="0"/>
-              <a:t> time.</a:t>
+              <a:t>Radix sort</a:t>
             </a:r>
           </a:p>
           <a:p>
             <a:pPr lvl="1" eaLnBrk="1" hangingPunct="1"/>
             <a:r>
-              <a:rPr lang="en-US" dirty="0" smtClean="0"/>
-              <a:t>Counting sort</a:t>
-            </a:r>
-          </a:p>
-          <a:p>
-            <a:pPr lvl="1" eaLnBrk="1" hangingPunct="1"/>
-            <a:r>
-              <a:rPr lang="en-US" dirty="0" smtClean="0"/>
-              <a:t>Radix sort</a:t>
-            </a:r>
-          </a:p>
-          <a:p>
-            <a:pPr lvl="1" eaLnBrk="1" hangingPunct="1"/>
-            <a:r>
-              <a:rPr lang="en-US" dirty="0" smtClean="0"/>
+              <a:rPr lang="en-US" sz="2400" dirty="0" smtClean="0"/>
               <a:t>Bucket sort</a:t>
             </a:r>
           </a:p>
